--- a/intermediate-front-end/slides/powerpoint/day2.pptx
+++ b/intermediate-front-end/slides/powerpoint/day2.pptx
@@ -36,6 +36,14 @@
     <p:sldId id="281" r:id="rId33"/>
     <p:sldId id="282" r:id="rId34"/>
     <p:sldId id="283" r:id="rId35"/>
+    <p:sldId id="284" r:id="rId36"/>
+    <p:sldId id="285" r:id="rId37"/>
+    <p:sldId id="286" r:id="rId38"/>
+    <p:sldId id="287" r:id="rId39"/>
+    <p:sldId id="288" r:id="rId40"/>
+    <p:sldId id="289" r:id="rId41"/>
+    <p:sldId id="290" r:id="rId42"/>
+    <p:sldId id="291" r:id="rId43"/>
   </p:sldIdLst>
   <p:sldSz cx="13004800" cy="9753600"/>
   <p:notesSz cx="6858000" cy="9144000"/>
@@ -3227,7 +3235,7 @@
       </p:grpSpPr>
       <p:sp>
         <p:nvSpPr>
-          <p:cNvPr id="155" name="Ajax &amp; SOP"/>
+          <p:cNvPr id="155" name="Webpack"/>
           <p:cNvSpPr txBox="1"/>
           <p:nvPr>
             <p:ph type="title"/>
@@ -3244,14 +3252,14 @@
           <a:p>
             <a:pPr/>
             <a:r>
-              <a:t>Ajax &amp; SOP</a:t>
-            </a:r>
-          </a:p>
-        </p:txBody>
-      </p:sp>
-      <p:sp>
-        <p:nvSpPr>
-          <p:cNvPr id="156" name="Ajax == Async Javascript And XML…"/>
+              <a:t>Webpack</a:t>
+            </a:r>
+          </a:p>
+        </p:txBody>
+      </p:sp>
+      <p:sp>
+        <p:nvSpPr>
+          <p:cNvPr id="156" name="Output chunks…"/>
           <p:cNvSpPr txBox="1"/>
           <p:nvPr>
             <p:ph type="body" idx="1"/>
@@ -3274,11 +3282,11 @@
               <a:defRPr sz="3200"/>
             </a:pPr>
             <a:r>
-              <a:t>Ajax == Async Javascript And XML</a:t>
-            </a:r>
-          </a:p>
-          <a:p>
-            <a:pPr marL="320842" indent="-320842" defTabSz="496569">
+              <a:t>Output chunks</a:t>
+            </a:r>
+          </a:p>
+          <a:p>
+            <a:pPr lvl="1" marL="701842" indent="-320842" defTabSz="496569">
               <a:spcBef>
                 <a:spcPts val="3500"/>
               </a:spcBef>
@@ -3286,11 +3294,11 @@
               <a:defRPr sz="3200"/>
             </a:pPr>
             <a:r>
-              <a:t>( doesn't have to be XML - JSON more popular now )</a:t>
-            </a:r>
-          </a:p>
-          <a:p>
-            <a:pPr marL="320842" indent="-320842" defTabSz="496569">
+              <a:t>Mark points where bundles should be split</a:t>
+            </a:r>
+          </a:p>
+          <a:p>
+            <a:pPr lvl="1" marL="701842" indent="-320842" defTabSz="496569">
               <a:spcBef>
                 <a:spcPts val="3500"/>
               </a:spcBef>
@@ -3298,11 +3306,11 @@
               <a:defRPr sz="3200"/>
             </a:pPr>
             <a:r>
-              <a:t>Browser makes an HTTP request without page refresh</a:t>
-            </a:r>
-          </a:p>
-          <a:p>
-            <a:pPr marL="320842" indent="-320842" defTabSz="496569">
+              <a:t>Makes "lazy loading" convenient</a:t>
+            </a:r>
+          </a:p>
+          <a:p>
+            <a:pPr lvl="1" marL="701842" indent="-320842" defTabSz="496569">
               <a:spcBef>
                 <a:spcPts val="3500"/>
               </a:spcBef>
@@ -3310,19 +3318,7 @@
               <a:defRPr sz="3200"/>
             </a:pPr>
             <a:r>
-              <a:t>Huge diff in user perception of usability</a:t>
-            </a:r>
-          </a:p>
-          <a:p>
-            <a:pPr marL="320842" indent="-320842" defTabSz="496569">
-              <a:spcBef>
-                <a:spcPts val="3500"/>
-              </a:spcBef>
-              <a:buSzPct val="100000"/>
-              <a:defRPr sz="3200"/>
-            </a:pPr>
-            <a:r>
-              <a:t>Equally huge security hole</a:t>
+              <a:t>Client d/ls chunks as needed</a:t>
             </a:r>
           </a:p>
         </p:txBody>
@@ -3355,7 +3351,7 @@
       </p:grpSpPr>
       <p:sp>
         <p:nvSpPr>
-          <p:cNvPr id="158" name="Ajax &amp; SOP"/>
+          <p:cNvPr id="158" name="Webpack"/>
           <p:cNvSpPr txBox="1"/>
           <p:nvPr>
             <p:ph type="title"/>
@@ -3372,14 +3368,14 @@
           <a:p>
             <a:pPr/>
             <a:r>
-              <a:t>Ajax &amp; SOP</a:t>
-            </a:r>
-          </a:p>
-        </p:txBody>
-      </p:sp>
-      <p:sp>
-        <p:nvSpPr>
-          <p:cNvPr id="159" name="SOP == Same Origin Policy, mid-1990s…"/>
+              <a:t>Webpack</a:t>
+            </a:r>
+          </a:p>
+        </p:txBody>
+      </p:sp>
+      <p:sp>
+        <p:nvSpPr>
+          <p:cNvPr id="159" name="Hot module reloading…"/>
           <p:cNvSpPr txBox="1"/>
           <p:nvPr>
             <p:ph type="body" idx="1"/>
@@ -3402,11 +3398,11 @@
               <a:defRPr sz="3200"/>
             </a:pPr>
             <a:r>
-              <a:t>SOP == Same Origin Policy, mid-1990s</a:t>
-            </a:r>
-          </a:p>
-          <a:p>
-            <a:pPr marL="320842" indent="-320842" defTabSz="496569">
+              <a:t>Hot module reloading</a:t>
+            </a:r>
+          </a:p>
+          <a:p>
+            <a:pPr lvl="1" marL="701842" indent="-320842" defTabSz="496569">
               <a:spcBef>
                 <a:spcPts val="3500"/>
               </a:spcBef>
@@ -3414,11 +3410,11 @@
               <a:defRPr sz="3200"/>
             </a:pPr>
             <a:r>
-              <a:t>Many ( most ) requests blocked by browser by default</a:t>
-            </a:r>
-          </a:p>
-          <a:p>
-            <a:pPr marL="320842" indent="-320842" defTabSz="496569">
+              <a:t>Run the Webpack Dev Server</a:t>
+            </a:r>
+          </a:p>
+          <a:p>
+            <a:pPr lvl="1" marL="701842" indent="-320842" defTabSz="496569">
               <a:spcBef>
                 <a:spcPts val="3500"/>
               </a:spcBef>
@@ -3426,7 +3422,7 @@
               <a:defRPr sz="3200"/>
             </a:pPr>
             <a:r>
-              <a:t>Target must match page origin</a:t>
+              <a:t>WP watches source files</a:t>
             </a:r>
           </a:p>
           <a:p>
@@ -3438,7 +3434,7 @@
               <a:defRPr sz="3200"/>
             </a:pPr>
             <a:r>
-              <a:t>Protocol ( http / https )</a:t>
+              <a:t>Dev Server can reload one file instead of entire page</a:t>
             </a:r>
           </a:p>
           <a:p>
@@ -3450,31 +3446,7 @@
               <a:defRPr sz="3200"/>
             </a:pPr>
             <a:r>
-              <a:t>Host ( including subdomain )</a:t>
-            </a:r>
-          </a:p>
-          <a:p>
-            <a:pPr lvl="1" marL="701842" indent="-320842" defTabSz="496569">
-              <a:spcBef>
-                <a:spcPts val="3500"/>
-              </a:spcBef>
-              <a:buSzPct val="100000"/>
-              <a:defRPr sz="3200"/>
-            </a:pPr>
-            <a:r>
-              <a:t>Port</a:t>
-            </a:r>
-          </a:p>
-          <a:p>
-            <a:pPr marL="320842" indent="-320842" defTabSz="496569">
-              <a:spcBef>
-                <a:spcPts val="3500"/>
-              </a:spcBef>
-              <a:buSzPct val="100000"/>
-              <a:defRPr sz="3200"/>
-            </a:pPr>
-            <a:r>
-              <a:t>Not super awesome</a:t>
+              <a:t>Most helpful for big / slow-loading apps</a:t>
             </a:r>
           </a:p>
         </p:txBody>
@@ -3507,7 +3479,7 @@
       </p:grpSpPr>
       <p:sp>
         <p:nvSpPr>
-          <p:cNvPr id="161" name="Ajax &amp; SOP"/>
+          <p:cNvPr id="161" name="Webpack"/>
           <p:cNvSpPr txBox="1"/>
           <p:nvPr>
             <p:ph type="title"/>
@@ -3524,14 +3496,14 @@
           <a:p>
             <a:pPr/>
             <a:r>
-              <a:t>Ajax &amp; SOP</a:t>
-            </a:r>
-          </a:p>
-        </p:txBody>
-      </p:sp>
-      <p:sp>
-        <p:nvSpPr>
-          <p:cNvPr id="162" name="Workarounds…"/>
+              <a:t>Webpack</a:t>
+            </a:r>
+          </a:p>
+        </p:txBody>
+      </p:sp>
+      <p:sp>
+        <p:nvSpPr>
+          <p:cNvPr id="162" name="Asset bundling…"/>
           <p:cNvSpPr txBox="1"/>
           <p:nvPr>
             <p:ph type="body" idx="1"/>
@@ -3554,7 +3526,7 @@
               <a:defRPr sz="3200"/>
             </a:pPr>
             <a:r>
-              <a:t>Workarounds</a:t>
+              <a:t>Asset bundling</a:t>
             </a:r>
           </a:p>
           <a:p>
@@ -3566,7 +3538,7 @@
               <a:defRPr sz="3200"/>
             </a:pPr>
             <a:r>
-              <a:t>Server-to-server</a:t>
+              <a:t>WP supports "loader" plugins</a:t>
             </a:r>
           </a:p>
           <a:p>
@@ -3578,11 +3550,11 @@
               <a:defRPr sz="3200"/>
             </a:pPr>
             <a:r>
-              <a:t>JSONP</a:t>
-            </a:r>
-          </a:p>
-          <a:p>
-            <a:pPr lvl="1" marL="701842" indent="-320842" defTabSz="496569">
+              <a:t>Bundle many non-JS file types</a:t>
+            </a:r>
+          </a:p>
+          <a:p>
+            <a:pPr lvl="2" marL="1082842" indent="-320842" defTabSz="496569">
               <a:spcBef>
                 <a:spcPts val="3500"/>
               </a:spcBef>
@@ -3590,7 +3562,31 @@
               <a:defRPr sz="3200"/>
             </a:pPr>
             <a:r>
-              <a:t>CORS</a:t>
+              <a:t>CSS</a:t>
+            </a:r>
+          </a:p>
+          <a:p>
+            <a:pPr lvl="2" marL="1082842" indent="-320842" defTabSz="496569">
+              <a:spcBef>
+                <a:spcPts val="3500"/>
+              </a:spcBef>
+              <a:buSzPct val="100000"/>
+              <a:defRPr sz="3200"/>
+            </a:pPr>
+            <a:r>
+              <a:t>Images</a:t>
+            </a:r>
+          </a:p>
+          <a:p>
+            <a:pPr lvl="2" marL="1082842" indent="-320842" defTabSz="496569">
+              <a:spcBef>
+                <a:spcPts val="3500"/>
+              </a:spcBef>
+              <a:buSzPct val="100000"/>
+              <a:defRPr sz="3200"/>
+            </a:pPr>
+            <a:r>
+              <a:t>CommonJS / AMD / ES6</a:t>
             </a:r>
           </a:p>
         </p:txBody>
@@ -3623,7 +3619,7 @@
       </p:grpSpPr>
       <p:sp>
         <p:nvSpPr>
-          <p:cNvPr id="164" name="Ajax &amp; SOP"/>
+          <p:cNvPr id="164" name="Lab: Webpack"/>
           <p:cNvSpPr txBox="1"/>
           <p:nvPr>
             <p:ph type="title"/>
@@ -3640,14 +3636,14 @@
           <a:p>
             <a:pPr/>
             <a:r>
-              <a:t>Ajax &amp; SOP</a:t>
-            </a:r>
-          </a:p>
-        </p:txBody>
-      </p:sp>
-      <p:sp>
-        <p:nvSpPr>
-          <p:cNvPr id="165" name="Server-to-server, late '90s…"/>
+              <a:t>Lab: Webpack</a:t>
+            </a:r>
+          </a:p>
+        </p:txBody>
+      </p:sp>
+      <p:sp>
+        <p:nvSpPr>
+          <p:cNvPr id="165" name="'npm i -D webpack'…"/>
           <p:cNvSpPr txBox="1"/>
           <p:nvPr>
             <p:ph type="body" idx="1"/>
@@ -3670,7 +3666,31 @@
               <a:defRPr sz="3200"/>
             </a:pPr>
             <a:r>
-              <a:t>Server-to-server, late '90s</a:t>
+              <a:t>'npm i -D webpack'</a:t>
+            </a:r>
+          </a:p>
+          <a:p>
+            <a:pPr marL="320842" indent="-320842" defTabSz="496569">
+              <a:spcBef>
+                <a:spcPts val="3500"/>
+              </a:spcBef>
+              <a:buSzPct val="100000"/>
+              <a:defRPr sz="3200"/>
+            </a:pPr>
+            <a:r>
+              <a:t>Cmd: 'node node_modules/webpack/bin/webpack.js'</a:t>
+            </a:r>
+          </a:p>
+          <a:p>
+            <a:pPr marL="320842" indent="-320842" defTabSz="496569">
+              <a:spcBef>
+                <a:spcPts val="3500"/>
+              </a:spcBef>
+              <a:buSzPct val="100000"/>
+              <a:defRPr sz="3200"/>
+            </a:pPr>
+            <a:r>
+              <a:t>Either create webpack.config.js or pass options:</a:t>
             </a:r>
           </a:p>
           <a:p>
@@ -3682,7 +3702,7 @@
               <a:defRPr sz="3200"/>
             </a:pPr>
             <a:r>
-              <a:t>Page calls different path on origin server via AJAX</a:t>
+              <a:t>entry point</a:t>
             </a:r>
           </a:p>
           <a:p>
@@ -3694,11 +3714,11 @@
               <a:defRPr sz="3200"/>
             </a:pPr>
             <a:r>
-              <a:t>Origin server calls remote server (no SOP for server)</a:t>
-            </a:r>
-          </a:p>
-          <a:p>
-            <a:pPr lvl="1" marL="701842" indent="-320842" defTabSz="496569">
+              <a:t>output location</a:t>
+            </a:r>
+          </a:p>
+          <a:p>
+            <a:pPr marL="320842" indent="-320842" defTabSz="496569">
               <a:spcBef>
                 <a:spcPts val="3500"/>
               </a:spcBef>
@@ -3706,31 +3726,7 @@
               <a:defRPr sz="3200"/>
             </a:pPr>
             <a:r>
-              <a:t>Responds back to AJAX</a:t>
-            </a:r>
-          </a:p>
-          <a:p>
-            <a:pPr lvl="1" marL="701842" indent="-320842" defTabSz="496569">
-              <a:spcBef>
-                <a:spcPts val="3500"/>
-              </a:spcBef>
-              <a:buSzPct val="100000"/>
-              <a:defRPr sz="3200"/>
-            </a:pPr>
-            <a:r>
-              <a:t>Pros: reliable, simple</a:t>
-            </a:r>
-          </a:p>
-          <a:p>
-            <a:pPr lvl="1" marL="701842" indent="-320842" defTabSz="496569">
-              <a:spcBef>
-                <a:spcPts val="3500"/>
-              </a:spcBef>
-              <a:buSzPct val="100000"/>
-              <a:defRPr sz="3200"/>
-            </a:pPr>
-            <a:r>
-              <a:t>Cons: slow, error prone</a:t>
+              <a:t>Change module dependency format to ES6 'import' </a:t>
             </a:r>
           </a:p>
         </p:txBody>
@@ -3763,7 +3759,7 @@
       </p:grpSpPr>
       <p:sp>
         <p:nvSpPr>
-          <p:cNvPr id="167" name="Ajax &amp; SOP"/>
+          <p:cNvPr id="167" name="Ajax"/>
           <p:cNvSpPr txBox="1"/>
           <p:nvPr>
             <p:ph type="title"/>
@@ -3780,14 +3776,14 @@
           <a:p>
             <a:pPr/>
             <a:r>
-              <a:t>Ajax &amp; SOP</a:t>
-            </a:r>
-          </a:p>
-        </p:txBody>
-      </p:sp>
-      <p:sp>
-        <p:nvSpPr>
-          <p:cNvPr id="168" name="JSONP, 2005…"/>
+              <a:t>Ajax</a:t>
+            </a:r>
+          </a:p>
+        </p:txBody>
+      </p:sp>
+      <p:sp>
+        <p:nvSpPr>
+          <p:cNvPr id="168" name="Ajax: Async Javascript And XML…"/>
           <p:cNvSpPr txBox="1"/>
           <p:nvPr>
             <p:ph type="body" idx="1"/>
@@ -3810,11 +3806,11 @@
               <a:defRPr sz="3200"/>
             </a:pPr>
             <a:r>
-              <a:t>JSONP, 2005</a:t>
-            </a:r>
-          </a:p>
-          <a:p>
-            <a:pPr lvl="1" marL="701842" indent="-320842" defTabSz="496569">
+              <a:t>Ajax: Async Javascript And XML</a:t>
+            </a:r>
+          </a:p>
+          <a:p>
+            <a:pPr marL="320842" indent="-320842" defTabSz="496569">
               <a:spcBef>
                 <a:spcPts val="3500"/>
               </a:spcBef>
@@ -3822,11 +3818,11 @@
               <a:defRPr sz="3200"/>
             </a:pPr>
             <a:r>
-              <a:t>JSON + Padding (somewhat misleading name)</a:t>
-            </a:r>
-          </a:p>
-          <a:p>
-            <a:pPr lvl="1" marL="701842" indent="-320842" defTabSz="496569">
+              <a:t>( doesn't have to be XML - JSON more popular now )</a:t>
+            </a:r>
+          </a:p>
+          <a:p>
+            <a:pPr marL="320842" indent="-320842" defTabSz="496569">
               <a:spcBef>
                 <a:spcPts val="3500"/>
               </a:spcBef>
@@ -3834,11 +3830,11 @@
               <a:defRPr sz="3200"/>
             </a:pPr>
             <a:r>
-              <a:t>Page defines a local placeholder function</a:t>
-            </a:r>
-          </a:p>
-          <a:p>
-            <a:pPr lvl="1" marL="701842" indent="-320842" defTabSz="496569">
+              <a:t>Browser makes an HTTP request without page refresh</a:t>
+            </a:r>
+          </a:p>
+          <a:p>
+            <a:pPr marL="320842" indent="-320842" defTabSz="496569">
               <a:spcBef>
                 <a:spcPts val="3500"/>
               </a:spcBef>
@@ -3846,11 +3842,11 @@
               <a:defRPr sz="3200"/>
             </a:pPr>
             <a:r>
-              <a:t>Page appends a &lt;script&gt; with placeholder in URL</a:t>
-            </a:r>
-          </a:p>
-          <a:p>
-            <a:pPr lvl="1" marL="701842" indent="-320842" defTabSz="496569">
+              <a:t>Huge diff in user perception of usability</a:t>
+            </a:r>
+          </a:p>
+          <a:p>
+            <a:pPr marL="320842" indent="-320842" defTabSz="496569">
               <a:spcBef>
                 <a:spcPts val="3500"/>
               </a:spcBef>
@@ -3858,19 +3854,7 @@
               <a:defRPr sz="3200"/>
             </a:pPr>
             <a:r>
-              <a:t>src="http://server.example.com/Users/1234?callback=parseResponse"</a:t>
-            </a:r>
-          </a:p>
-          <a:p>
-            <a:pPr lvl="1" marL="701842" indent="-320842" defTabSz="496569">
-              <a:spcBef>
-                <a:spcPts val="3500"/>
-              </a:spcBef>
-              <a:buSzPct val="100000"/>
-              <a:defRPr sz="3200"/>
-            </a:pPr>
-            <a:r>
-              <a:t>Server sends back payload inside parseResponse()</a:t>
+              <a:t>Equally huge security hole</a:t>
             </a:r>
           </a:p>
         </p:txBody>
@@ -3903,7 +3887,7 @@
       </p:grpSpPr>
       <p:sp>
         <p:nvSpPr>
-          <p:cNvPr id="170" name="Ajax &amp; SOP"/>
+          <p:cNvPr id="170" name="Ajax"/>
           <p:cNvSpPr txBox="1"/>
           <p:nvPr>
             <p:ph type="title"/>
@@ -3920,14 +3904,14 @@
           <a:p>
             <a:pPr/>
             <a:r>
-              <a:t>Ajax &amp; SOP</a:t>
-            </a:r>
-          </a:p>
-        </p:txBody>
-      </p:sp>
-      <p:sp>
-        <p:nvSpPr>
-          <p:cNvPr id="171" name="CORS, draft 2006 / adopted 2014…"/>
+              <a:t>Ajax</a:t>
+            </a:r>
+          </a:p>
+        </p:txBody>
+      </p:sp>
+      <p:sp>
+        <p:nvSpPr>
+          <p:cNvPr id="171" name="Ajax has a built in browser API…"/>
           <p:cNvSpPr txBox="1"/>
           <p:nvPr>
             <p:ph type="body" idx="1"/>
@@ -3950,11 +3934,11 @@
               <a:defRPr sz="3200"/>
             </a:pPr>
             <a:r>
-              <a:t>CORS, draft 2006 / adopted 2014</a:t>
-            </a:r>
-          </a:p>
-          <a:p>
-            <a:pPr lvl="1" marL="701842" indent="-320842" defTabSz="496569">
+              <a:t>Ajax has a built in browser API</a:t>
+            </a:r>
+          </a:p>
+          <a:p>
+            <a:pPr marL="320842" indent="-320842" defTabSz="496569">
               <a:spcBef>
                 <a:spcPts val="3500"/>
               </a:spcBef>
@@ -3962,11 +3946,11 @@
               <a:defRPr sz="3200"/>
             </a:pPr>
             <a:r>
-              <a:t>Cross Origin Resource Sharing</a:t>
-            </a:r>
-          </a:p>
-          <a:p>
-            <a:pPr lvl="1" marL="701842" indent="-320842" defTabSz="496569">
+              <a:t>XmlHttpRequest ( XHR )</a:t>
+            </a:r>
+          </a:p>
+          <a:p>
+            <a:pPr marL="320842" indent="-320842" defTabSz="496569">
               <a:spcBef>
                 <a:spcPts val="3500"/>
               </a:spcBef>
@@ -3974,11 +3958,11 @@
               <a:defRPr sz="3200"/>
             </a:pPr>
             <a:r>
-              <a:t>The preferred method</a:t>
-            </a:r>
-          </a:p>
-          <a:p>
-            <a:pPr lvl="1" marL="701842" indent="-320842" defTabSz="496569">
+              <a:t>Create new XHR object</a:t>
+            </a:r>
+          </a:p>
+          <a:p>
+            <a:pPr marL="320842" indent="-320842" defTabSz="496569">
               <a:spcBef>
                 <a:spcPts val="3500"/>
               </a:spcBef>
@@ -3986,11 +3970,11 @@
               <a:defRPr sz="3200"/>
             </a:pPr>
             <a:r>
-              <a:t>Server sends header (Access-Control-Allow-[various])</a:t>
-            </a:r>
-          </a:p>
-          <a:p>
-            <a:pPr lvl="1" marL="701842" indent="-320842" defTabSz="496569">
+              <a:t>Set URL &amp; method, open connection</a:t>
+            </a:r>
+          </a:p>
+          <a:p>
+            <a:pPr marL="320842" indent="-320842" defTabSz="496569">
               <a:spcBef>
                 <a:spcPts val="3500"/>
               </a:spcBef>
@@ -3998,11 +3982,11 @@
               <a:defRPr sz="3200"/>
             </a:pPr>
             <a:r>
-              <a:t>Tells browser what actions + domains should be allowed</a:t>
-            </a:r>
-          </a:p>
-          <a:p>
-            <a:pPr lvl="1" marL="701842" indent="-320842" defTabSz="496569">
+              <a:t>Attach listener to XHR load event</a:t>
+            </a:r>
+          </a:p>
+          <a:p>
+            <a:pPr marL="320842" indent="-320842" defTabSz="496569">
               <a:spcBef>
                 <a:spcPts val="3500"/>
               </a:spcBef>
@@ -4010,19 +3994,7 @@
               <a:defRPr sz="3200"/>
             </a:pPr>
             <a:r>
-              <a:t>Server can also wildcard all domains</a:t>
-            </a:r>
-          </a:p>
-          <a:p>
-            <a:pPr lvl="1" marL="701842" indent="-320842" defTabSz="496569">
-              <a:spcBef>
-                <a:spcPts val="3500"/>
-              </a:spcBef>
-              <a:buSzPct val="100000"/>
-              <a:defRPr sz="3200"/>
-            </a:pPr>
-            <a:r>
-              <a:t>With wildcard, browser won't allow secure resources</a:t>
+              <a:t>Handle response based on HTTP status code</a:t>
             </a:r>
           </a:p>
         </p:txBody>
@@ -4055,7 +4027,7 @@
       </p:grpSpPr>
       <p:sp>
         <p:nvSpPr>
-          <p:cNvPr id="173" name="Ajax &amp; SOP"/>
+          <p:cNvPr id="173" name="Ajax"/>
           <p:cNvSpPr txBox="1"/>
           <p:nvPr>
             <p:ph type="title"/>
@@ -4072,14 +4044,14 @@
           <a:p>
             <a:pPr/>
             <a:r>
-              <a:t>Ajax &amp; SOP</a:t>
-            </a:r>
-          </a:p>
-        </p:txBody>
-      </p:sp>
-      <p:sp>
-        <p:nvSpPr>
-          <p:cNvPr id="174" name="Ajax has a built in browser API…"/>
+              <a:t>Ajax</a:t>
+            </a:r>
+          </a:p>
+        </p:txBody>
+      </p:sp>
+      <p:sp>
+        <p:nvSpPr>
+          <p:cNvPr id="174" name="SOP: Same Origin Policy, mid-1990s…"/>
           <p:cNvSpPr txBox="1"/>
           <p:nvPr>
             <p:ph type="body" idx="1"/>
@@ -4102,7 +4074,7 @@
               <a:defRPr sz="3200"/>
             </a:pPr>
             <a:r>
-              <a:t>Ajax has a built in browser API</a:t>
+              <a:t>SOP: Same Origin Policy, mid-1990s</a:t>
             </a:r>
           </a:p>
           <a:p>
@@ -4114,7 +4086,7 @@
               <a:defRPr sz="3200"/>
             </a:pPr>
             <a:r>
-              <a:t>XmlHttpRequest ( XHR )</a:t>
+              <a:t>Requests blocked by browser by default</a:t>
             </a:r>
           </a:p>
           <a:p>
@@ -4126,7 +4098,43 @@
               <a:defRPr sz="3200"/>
             </a:pPr>
             <a:r>
-              <a:t>Create new XHR object</a:t>
+              <a:t>Target must match page origin</a:t>
+            </a:r>
+          </a:p>
+          <a:p>
+            <a:pPr lvl="1" marL="701842" indent="-320842" defTabSz="496569">
+              <a:spcBef>
+                <a:spcPts val="3500"/>
+              </a:spcBef>
+              <a:buSzPct val="100000"/>
+              <a:defRPr sz="3200"/>
+            </a:pPr>
+            <a:r>
+              <a:t>Protocol ( http / https )</a:t>
+            </a:r>
+          </a:p>
+          <a:p>
+            <a:pPr lvl="1" marL="701842" indent="-320842" defTabSz="496569">
+              <a:spcBef>
+                <a:spcPts val="3500"/>
+              </a:spcBef>
+              <a:buSzPct val="100000"/>
+              <a:defRPr sz="3200"/>
+            </a:pPr>
+            <a:r>
+              <a:t>Host ( including subdomain )</a:t>
+            </a:r>
+          </a:p>
+          <a:p>
+            <a:pPr lvl="1" marL="701842" indent="-320842" defTabSz="496569">
+              <a:spcBef>
+                <a:spcPts val="3500"/>
+              </a:spcBef>
+              <a:buSzPct val="100000"/>
+              <a:defRPr sz="3200"/>
+            </a:pPr>
+            <a:r>
+              <a:t>Port</a:t>
             </a:r>
           </a:p>
           <a:p>
@@ -4138,31 +4146,7 @@
               <a:defRPr sz="3200"/>
             </a:pPr>
             <a:r>
-              <a:t>Set URL &amp; method, open connection</a:t>
-            </a:r>
-          </a:p>
-          <a:p>
-            <a:pPr marL="320842" indent="-320842" defTabSz="496569">
-              <a:spcBef>
-                <a:spcPts val="3500"/>
-              </a:spcBef>
-              <a:buSzPct val="100000"/>
-              <a:defRPr sz="3200"/>
-            </a:pPr>
-            <a:r>
-              <a:t>Attach listener to XHR load event</a:t>
-            </a:r>
-          </a:p>
-          <a:p>
-            <a:pPr marL="320842" indent="-320842" defTabSz="496569">
-              <a:spcBef>
-                <a:spcPts val="3500"/>
-              </a:spcBef>
-              <a:buSzPct val="100000"/>
-              <a:defRPr sz="3200"/>
-            </a:pPr>
-            <a:r>
-              <a:t>Handle response based on HTTP status code</a:t>
+              <a:t>Not super awesome</a:t>
             </a:r>
           </a:p>
         </p:txBody>
@@ -4195,7 +4179,7 @@
       </p:grpSpPr>
       <p:sp>
         <p:nvSpPr>
-          <p:cNvPr id="176" name="Lab: Ajax &amp; SOP"/>
+          <p:cNvPr id="176" name="Ajax"/>
           <p:cNvSpPr txBox="1"/>
           <p:nvPr>
             <p:ph type="title"/>
@@ -4212,14 +4196,14 @@
           <a:p>
             <a:pPr/>
             <a:r>
-              <a:t>Lab: Ajax &amp; SOP</a:t>
-            </a:r>
-          </a:p>
-        </p:txBody>
-      </p:sp>
-      <p:sp>
-        <p:nvSpPr>
-          <p:cNvPr id="177" name="Start a local server…"/>
+              <a:t>Ajax</a:t>
+            </a:r>
+          </a:p>
+        </p:txBody>
+      </p:sp>
+      <p:sp>
+        <p:nvSpPr>
+          <p:cNvPr id="177" name="Workarounds…"/>
           <p:cNvSpPr txBox="1"/>
           <p:nvPr>
             <p:ph type="body" idx="1"/>
@@ -4242,11 +4226,11 @@
               <a:defRPr sz="3200"/>
             </a:pPr>
             <a:r>
-              <a:t>Start a local server</a:t>
-            </a:r>
-          </a:p>
-          <a:p>
-            <a:pPr marL="320842" indent="-320842" defTabSz="496569">
+              <a:t>Workarounds</a:t>
+            </a:r>
+          </a:p>
+          <a:p>
+            <a:pPr lvl="1" marL="701842" indent="-320842" defTabSz="496569">
               <a:spcBef>
                 <a:spcPts val="3500"/>
               </a:spcBef>
@@ -4254,11 +4238,11 @@
               <a:defRPr sz="3200"/>
             </a:pPr>
             <a:r>
-              <a:t>Set up a basic Ajax call to another path on Same Origin</a:t>
-            </a:r>
-          </a:p>
-          <a:p>
-            <a:pPr marL="320842" indent="-320842" defTabSz="496569">
+              <a:t>Server-to-server</a:t>
+            </a:r>
+          </a:p>
+          <a:p>
+            <a:pPr lvl="1" marL="701842" indent="-320842" defTabSz="496569">
               <a:spcBef>
                 <a:spcPts val="3500"/>
               </a:spcBef>
@@ -4266,11 +4250,11 @@
               <a:defRPr sz="3200"/>
             </a:pPr>
             <a:r>
-              <a:t>Start another local server running a different port</a:t>
-            </a:r>
-          </a:p>
-          <a:p>
-            <a:pPr marL="320842" indent="-320842" defTabSz="496569">
+              <a:t>JSONP</a:t>
+            </a:r>
+          </a:p>
+          <a:p>
+            <a:pPr lvl="1" marL="701842" indent="-320842" defTabSz="496569">
               <a:spcBef>
                 <a:spcPts val="3500"/>
               </a:spcBef>
@@ -4278,19 +4262,7 @@
               <a:defRPr sz="3200"/>
             </a:pPr>
             <a:r>
-              <a:t>Change Ajax to new port (request fails)</a:t>
-            </a:r>
-          </a:p>
-          <a:p>
-            <a:pPr marL="320842" indent="-320842" defTabSz="496569">
-              <a:spcBef>
-                <a:spcPts val="3500"/>
-              </a:spcBef>
-              <a:buSzPct val="100000"/>
-              <a:defRPr sz="3200"/>
-            </a:pPr>
-            <a:r>
-              <a:t>Implement JSONP &amp; CORS solutions</a:t>
+              <a:t>CORS</a:t>
             </a:r>
           </a:p>
         </p:txBody>
@@ -4323,7 +4295,7 @@
       </p:grpSpPr>
       <p:sp>
         <p:nvSpPr>
-          <p:cNvPr id="179" name="Mock Ajax"/>
+          <p:cNvPr id="179" name="Ajax"/>
           <p:cNvSpPr txBox="1"/>
           <p:nvPr>
             <p:ph type="title"/>
@@ -4340,14 +4312,14 @@
           <a:p>
             <a:pPr/>
             <a:r>
-              <a:t>Mock Ajax</a:t>
-            </a:r>
-          </a:p>
-        </p:txBody>
-      </p:sp>
-      <p:sp>
-        <p:nvSpPr>
-          <p:cNvPr id="180" name="Automated testing can't rely on real web calls…"/>
+              <a:t>Ajax</a:t>
+            </a:r>
+          </a:p>
+        </p:txBody>
+      </p:sp>
+      <p:sp>
+        <p:nvSpPr>
+          <p:cNvPr id="180" name="Server-to-server, late '90s…"/>
           <p:cNvSpPr txBox="1"/>
           <p:nvPr>
             <p:ph type="body" idx="1"/>
@@ -4370,11 +4342,11 @@
               <a:defRPr sz="3200"/>
             </a:pPr>
             <a:r>
-              <a:t>Automated testing can't rely on real web calls</a:t>
-            </a:r>
-          </a:p>
-          <a:p>
-            <a:pPr marL="320842" indent="-320842" defTabSz="496569">
+              <a:t>Server-to-server, late '90s</a:t>
+            </a:r>
+          </a:p>
+          <a:p>
+            <a:pPr lvl="1" marL="701842" indent="-320842" defTabSz="496569">
               <a:spcBef>
                 <a:spcPts val="3500"/>
               </a:spcBef>
@@ -4382,7 +4354,7 @@
               <a:defRPr sz="3200"/>
             </a:pPr>
             <a:r>
-              <a:t>Three general approaches</a:t>
+              <a:t>Page calls different path on origin server via AJAX</a:t>
             </a:r>
           </a:p>
           <a:p>
@@ -4394,7 +4366,7 @@
               <a:defRPr sz="3200"/>
             </a:pPr>
             <a:r>
-              <a:t>Intercept (Fiddler)</a:t>
+              <a:t>Origin server calls remote server (no SOP for server)</a:t>
             </a:r>
           </a:p>
           <a:p>
@@ -4406,7 +4378,7 @@
               <a:defRPr sz="3200"/>
             </a:pPr>
             <a:r>
-              <a:t>Change URL (run mock server locally)</a:t>
+              <a:t>Responds back to AJAX</a:t>
             </a:r>
           </a:p>
           <a:p>
@@ -4418,7 +4390,19 @@
               <a:defRPr sz="3200"/>
             </a:pPr>
             <a:r>
-              <a:t>Override XHR object (libraries)</a:t>
+              <a:t>Pros: reliable, simple</a:t>
+            </a:r>
+          </a:p>
+          <a:p>
+            <a:pPr lvl="1" marL="701842" indent="-320842" defTabSz="496569">
+              <a:spcBef>
+                <a:spcPts val="3500"/>
+              </a:spcBef>
+              <a:buSzPct val="100000"/>
+              <a:defRPr sz="3200"/>
+            </a:pPr>
+            <a:r>
+              <a:t>Cons: slow, error prone</a:t>
             </a:r>
           </a:p>
         </p:txBody>
@@ -4451,7 +4435,7 @@
       </p:grpSpPr>
       <p:sp>
         <p:nvSpPr>
-          <p:cNvPr id="182" name="Lab: Mock Ajax"/>
+          <p:cNvPr id="182" name="Ajax"/>
           <p:cNvSpPr txBox="1"/>
           <p:nvPr>
             <p:ph type="title"/>
@@ -4468,14 +4452,14 @@
           <a:p>
             <a:pPr/>
             <a:r>
-              <a:t>Lab: Mock Ajax</a:t>
-            </a:r>
-          </a:p>
-        </p:txBody>
-      </p:sp>
-      <p:sp>
-        <p:nvSpPr>
-          <p:cNvPr id="183" name="Use jasmine-ajax…"/>
+              <a:t>Ajax</a:t>
+            </a:r>
+          </a:p>
+        </p:txBody>
+      </p:sp>
+      <p:sp>
+        <p:nvSpPr>
+          <p:cNvPr id="183" name="JSONP, 2005…"/>
           <p:cNvSpPr txBox="1"/>
           <p:nvPr>
             <p:ph type="body" idx="1"/>
@@ -4498,11 +4482,11 @@
               <a:defRPr sz="3200"/>
             </a:pPr>
             <a:r>
-              <a:t>Use jasmine-ajax</a:t>
-            </a:r>
-          </a:p>
-          <a:p>
-            <a:pPr marL="320842" indent="-320842" defTabSz="496569">
+              <a:t>JSONP, 2005</a:t>
+            </a:r>
+          </a:p>
+          <a:p>
+            <a:pPr lvl="1" marL="701842" indent="-320842" defTabSz="496569">
               <a:spcBef>
                 <a:spcPts val="3500"/>
               </a:spcBef>
@@ -4510,7 +4494,7 @@
               <a:defRPr sz="3200"/>
             </a:pPr>
             <a:r>
-              <a:t>Set up testing</a:t>
+              <a:t>JSON + Padding (somewhat misleading name)</a:t>
             </a:r>
           </a:p>
           <a:p>
@@ -4522,7 +4506,7 @@
               <a:defRPr sz="3200"/>
             </a:pPr>
             <a:r>
-              <a:t>npm i -D grunt jasmine grunt-contrib-jasmine</a:t>
+              <a:t>Page defines a local placeholder function</a:t>
             </a:r>
           </a:p>
           <a:p>
@@ -4534,7 +4518,7 @@
               <a:defRPr sz="3200"/>
             </a:pPr>
             <a:r>
-              <a:t>npm i -D karma grunt-karma karma-jasmine</a:t>
+              <a:t>Page appends a &lt;script&gt; with placeholder in URL</a:t>
             </a:r>
           </a:p>
           <a:p>
@@ -4546,7 +4530,7 @@
               <a:defRPr sz="3200"/>
             </a:pPr>
             <a:r>
-              <a:t>npm i -D jasmine-ajax karma-jasmine-ajax</a:t>
+              <a:t>src="http://server.example.com/Users/1234?callback=parseResponse"</a:t>
             </a:r>
           </a:p>
           <a:p>
@@ -4558,7 +4542,7 @@
               <a:defRPr sz="3200"/>
             </a:pPr>
             <a:r>
-              <a:t>create gruntfile.js </a:t>
+              <a:t>Server sends back payload inside parseResponse()</a:t>
             </a:r>
           </a:p>
         </p:txBody>
@@ -4692,7 +4676,7 @@
       </p:grpSpPr>
       <p:sp>
         <p:nvSpPr>
-          <p:cNvPr id="185" name="SASS"/>
+          <p:cNvPr id="185" name="Ajax"/>
           <p:cNvSpPr txBox="1"/>
           <p:nvPr>
             <p:ph type="title"/>
@@ -4709,14 +4693,14 @@
           <a:p>
             <a:pPr/>
             <a:r>
-              <a:t>SASS</a:t>
-            </a:r>
-          </a:p>
-        </p:txBody>
-      </p:sp>
-      <p:sp>
-        <p:nvSpPr>
-          <p:cNvPr id="186" name="What's it for?…"/>
+              <a:t>Ajax</a:t>
+            </a:r>
+          </a:p>
+        </p:txBody>
+      </p:sp>
+      <p:sp>
+        <p:nvSpPr>
+          <p:cNvPr id="186" name="CORS, draft 2006 / adopted 2014…"/>
           <p:cNvSpPr txBox="1"/>
           <p:nvPr>
             <p:ph type="body" idx="1"/>
@@ -4731,30 +4715,87 @@
           <a:bodyPr anchor="t"/>
           <a:lstStyle/>
           <a:p>
-            <a:pPr marL="0" indent="0">
-              <a:buSzTx/>
-              <a:buNone/>
-            </a:pPr>
-            <a:r>
-              <a:t>What's it for?</a:t>
-            </a:r>
-          </a:p>
-          <a:p>
-            <a:pPr/>
-            <a:r>
-              <a:t>SASS helps manage large CSS bases</a:t>
-            </a:r>
-          </a:p>
-          <a:p>
-            <a:pPr/>
-            <a:r>
-              <a:t>Enables higher-order features like variables</a:t>
-            </a:r>
-          </a:p>
-          <a:p>
-            <a:pPr/>
-            <a:r>
-              <a:t>TRY to stay DRY</a:t>
+            <a:pPr marL="320842" indent="-320842" defTabSz="496569">
+              <a:spcBef>
+                <a:spcPts val="3500"/>
+              </a:spcBef>
+              <a:buSzPct val="100000"/>
+              <a:defRPr sz="3200"/>
+            </a:pPr>
+            <a:r>
+              <a:t>CORS, draft 2006 / adopted 2014</a:t>
+            </a:r>
+          </a:p>
+          <a:p>
+            <a:pPr lvl="1" marL="701842" indent="-320842" defTabSz="496569">
+              <a:spcBef>
+                <a:spcPts val="3500"/>
+              </a:spcBef>
+              <a:buSzPct val="100000"/>
+              <a:defRPr sz="3200"/>
+            </a:pPr>
+            <a:r>
+              <a:t>Cross Origin Resource Sharing</a:t>
+            </a:r>
+          </a:p>
+          <a:p>
+            <a:pPr lvl="1" marL="701842" indent="-320842" defTabSz="496569">
+              <a:spcBef>
+                <a:spcPts val="3500"/>
+              </a:spcBef>
+              <a:buSzPct val="100000"/>
+              <a:defRPr sz="3200"/>
+            </a:pPr>
+            <a:r>
+              <a:t>The preferred method</a:t>
+            </a:r>
+          </a:p>
+          <a:p>
+            <a:pPr lvl="1" marL="701842" indent="-320842" defTabSz="496569">
+              <a:spcBef>
+                <a:spcPts val="3500"/>
+              </a:spcBef>
+              <a:buSzPct val="100000"/>
+              <a:defRPr sz="3200"/>
+            </a:pPr>
+            <a:r>
+              <a:t>Server sends header (Access-Control-Allow-[various])</a:t>
+            </a:r>
+          </a:p>
+          <a:p>
+            <a:pPr lvl="1" marL="701842" indent="-320842" defTabSz="496569">
+              <a:spcBef>
+                <a:spcPts val="3500"/>
+              </a:spcBef>
+              <a:buSzPct val="100000"/>
+              <a:defRPr sz="3200"/>
+            </a:pPr>
+            <a:r>
+              <a:t>Tells browser what actions + domains should be allowed</a:t>
+            </a:r>
+          </a:p>
+          <a:p>
+            <a:pPr lvl="1" marL="701842" indent="-320842" defTabSz="496569">
+              <a:spcBef>
+                <a:spcPts val="3500"/>
+              </a:spcBef>
+              <a:buSzPct val="100000"/>
+              <a:defRPr sz="3200"/>
+            </a:pPr>
+            <a:r>
+              <a:t>Server can also wildcard all domains</a:t>
+            </a:r>
+          </a:p>
+          <a:p>
+            <a:pPr lvl="1" marL="701842" indent="-320842" defTabSz="496569">
+              <a:spcBef>
+                <a:spcPts val="3500"/>
+              </a:spcBef>
+              <a:buSzPct val="100000"/>
+              <a:defRPr sz="3200"/>
+            </a:pPr>
+            <a:r>
+              <a:t>With wildcard, browser won't allow secure resources</a:t>
             </a:r>
           </a:p>
         </p:txBody>
@@ -4787,7 +4828,7 @@
       </p:grpSpPr>
       <p:sp>
         <p:nvSpPr>
-          <p:cNvPr id="188" name="SASS"/>
+          <p:cNvPr id="188" name="Lab: Ajax"/>
           <p:cNvSpPr txBox="1"/>
           <p:nvPr>
             <p:ph type="title"/>
@@ -4804,14 +4845,14 @@
           <a:p>
             <a:pPr/>
             <a:r>
-              <a:t>SASS</a:t>
-            </a:r>
-          </a:p>
-        </p:txBody>
-      </p:sp>
-      <p:sp>
-        <p:nvSpPr>
-          <p:cNvPr id="189" name="Background - two formats…"/>
+              <a:t>Lab: Ajax</a:t>
+            </a:r>
+          </a:p>
+        </p:txBody>
+      </p:sp>
+      <p:sp>
+        <p:nvSpPr>
+          <p:cNvPr id="189" name="Goal: Fetch data using Ajax…"/>
           <p:cNvSpPr txBox="1"/>
           <p:nvPr>
             <p:ph type="body" idx="1"/>
@@ -4826,24 +4867,63 @@
           <a:bodyPr anchor="t"/>
           <a:lstStyle/>
           <a:p>
-            <a:pPr marL="0" indent="0">
-              <a:buSzTx/>
-              <a:buNone/>
-            </a:pPr>
-            <a:r>
-              <a:t>Background - two formats</a:t>
-            </a:r>
-          </a:p>
-          <a:p>
-            <a:pPr/>
-            <a:r>
-              <a:t>SASS</a:t>
-            </a:r>
-          </a:p>
-          <a:p>
-            <a:pPr/>
-            <a:r>
-              <a:t>SCSS</a:t>
+            <a:pPr marL="320842" indent="-320842" defTabSz="496569">
+              <a:spcBef>
+                <a:spcPts val="3500"/>
+              </a:spcBef>
+              <a:buSzPct val="100000"/>
+              <a:defRPr sz="3200"/>
+            </a:pPr>
+            <a:r>
+              <a:t>Goal: Fetch data using Ajax</a:t>
+            </a:r>
+          </a:p>
+          <a:p>
+            <a:pPr marL="320842" indent="-320842" defTabSz="496569">
+              <a:spcBef>
+                <a:spcPts val="3500"/>
+              </a:spcBef>
+              <a:buSzPct val="100000"/>
+              <a:defRPr sz="3200"/>
+            </a:pPr>
+            <a:r>
+              <a:t>Reason: Dynamic app requirement</a:t>
+            </a:r>
+          </a:p>
+          <a:p>
+            <a:pPr marL="320842" indent="-320842" defTabSz="496569">
+              <a:spcBef>
+                <a:spcPts val="3500"/>
+              </a:spcBef>
+              <a:buSzPct val="100000"/>
+              <a:defRPr sz="3200"/>
+            </a:pPr>
+            <a:r>
+              <a:t>Method: Add calls to Native Ajax API</a:t>
+            </a:r>
+          </a:p>
+          <a:p>
+            <a:pPr marL="320842" indent="-320842" defTabSz="496569">
+              <a:spcBef>
+                <a:spcPts val="3500"/>
+              </a:spcBef>
+              <a:buSzPct val="100000"/>
+              <a:defRPr sz="3200"/>
+            </a:pPr>
+            <a:r>
+              <a:t>Notes: Run 'node 01-server.js' to start local server before ajax will works</a:t>
+            </a:r>
+          </a:p>
+          <a:p>
+            <a:pPr marL="320842" indent="-320842" defTabSz="496569">
+              <a:spcBef>
+                <a:spcPts val="3500"/>
+              </a:spcBef>
+              <a:buSzPct val="100000"/>
+              <a:defRPr sz="3200"/>
+            </a:pPr>
+            <a:r>
+              <a:t>Instructions: 04-ajax-promises/00-01-changes.txt</a:t>
             </a:r>
           </a:p>
         </p:txBody>
@@ -4876,7 +4956,7 @@
       </p:grpSpPr>
       <p:sp>
         <p:nvSpPr>
-          <p:cNvPr id="191" name="SASS"/>
+          <p:cNvPr id="191" name="Lab: Ajax"/>
           <p:cNvSpPr txBox="1"/>
           <p:nvPr>
             <p:ph type="title"/>
@@ -4893,14 +4973,14 @@
           <a:p>
             <a:pPr/>
             <a:r>
-              <a:t>SASS</a:t>
-            </a:r>
-          </a:p>
-        </p:txBody>
-      </p:sp>
-      <p:sp>
-        <p:nvSpPr>
-          <p:cNvPr id="192" name="SASS…"/>
+              <a:t>Lab: Ajax</a:t>
+            </a:r>
+          </a:p>
+        </p:txBody>
+      </p:sp>
+      <p:sp>
+        <p:nvSpPr>
+          <p:cNvPr id="192" name="Goal: Fetch multiple, dependent data using Ajax…"/>
           <p:cNvSpPr txBox="1"/>
           <p:nvPr>
             <p:ph type="body" idx="1"/>
@@ -4915,39 +4995,63 @@
           <a:bodyPr anchor="t"/>
           <a:lstStyle/>
           <a:p>
-            <a:pPr/>
-            <a:r>
-              <a:t>SASS </a:t>
-            </a:r>
-          </a:p>
-          <a:p>
-            <a:pPr lvl="1"/>
-            <a:r>
-              <a:t>Syntactically Awesome Style Sheets</a:t>
-            </a:r>
-          </a:p>
-          <a:p>
-            <a:pPr lvl="1"/>
-            <a:r>
-              <a:t>Shorthand (Like CoffeeScript or Emmet)</a:t>
-            </a:r>
-          </a:p>
-          <a:p>
-            <a:pPr lvl="2"/>
-            <a:r>
-              <a:t>Indentation instead of braces</a:t>
-            </a:r>
-          </a:p>
-          <a:p>
-            <a:pPr lvl="2"/>
-            <a:r>
-              <a:t>No semicolons</a:t>
-            </a:r>
-          </a:p>
-          <a:p>
-            <a:pPr lvl="1"/>
-            <a:r>
-              <a:t>SASS preprocessor outputs CSS</a:t>
+            <a:pPr marL="320842" indent="-320842" defTabSz="496569">
+              <a:spcBef>
+                <a:spcPts val="3500"/>
+              </a:spcBef>
+              <a:buSzPct val="100000"/>
+              <a:defRPr sz="3200"/>
+            </a:pPr>
+            <a:r>
+              <a:t>Goal: Fetch multiple, dependent data using Ajax</a:t>
+            </a:r>
+          </a:p>
+          <a:p>
+            <a:pPr marL="320842" indent="-320842" defTabSz="496569">
+              <a:spcBef>
+                <a:spcPts val="3500"/>
+              </a:spcBef>
+              <a:buSzPct val="100000"/>
+              <a:defRPr sz="3200"/>
+            </a:pPr>
+            <a:r>
+              <a:t>Reason: Dynamic app requirement</a:t>
+            </a:r>
+          </a:p>
+          <a:p>
+            <a:pPr marL="320842" indent="-320842" defTabSz="496569">
+              <a:spcBef>
+                <a:spcPts val="3500"/>
+              </a:spcBef>
+              <a:buSzPct val="100000"/>
+              <a:defRPr sz="3200"/>
+            </a:pPr>
+            <a:r>
+              <a:t>Method: Add nested calls to Native Ajax API</a:t>
+            </a:r>
+          </a:p>
+          <a:p>
+            <a:pPr marL="320842" indent="-320842" defTabSz="496569">
+              <a:spcBef>
+                <a:spcPts val="3500"/>
+              </a:spcBef>
+              <a:buSzPct val="100000"/>
+              <a:defRPr sz="3200"/>
+            </a:pPr>
+            <a:r>
+              <a:t>Notes: Run 'node 02-server.js' to start local server before ajax will work</a:t>
+            </a:r>
+          </a:p>
+          <a:p>
+            <a:pPr marL="320842" indent="-320842" defTabSz="496569">
+              <a:spcBef>
+                <a:spcPts val="3500"/>
+              </a:spcBef>
+              <a:buSzPct val="100000"/>
+              <a:defRPr sz="3200"/>
+            </a:pPr>
+            <a:r>
+              <a:t>Instructions: 04-ajax-promises/01-02-changes.txt</a:t>
             </a:r>
           </a:p>
         </p:txBody>
@@ -4980,7 +5084,7 @@
       </p:grpSpPr>
       <p:sp>
         <p:nvSpPr>
-          <p:cNvPr id="194" name="SASS"/>
+          <p:cNvPr id="194" name="Promises"/>
           <p:cNvSpPr txBox="1"/>
           <p:nvPr>
             <p:ph type="title"/>
@@ -4997,14 +5101,14 @@
           <a:p>
             <a:pPr/>
             <a:r>
-              <a:t>SASS</a:t>
-            </a:r>
-          </a:p>
-        </p:txBody>
-      </p:sp>
-      <p:sp>
-        <p:nvSpPr>
-          <p:cNvPr id="195" name="SCSS…"/>
+              <a:t>Promises</a:t>
+            </a:r>
+          </a:p>
+        </p:txBody>
+      </p:sp>
+      <p:sp>
+        <p:nvSpPr>
+          <p:cNvPr id="195" name="Problem: deeply nested async callbacks…"/>
           <p:cNvSpPr txBox="1"/>
           <p:nvPr>
             <p:ph type="body" idx="1"/>
@@ -5019,33 +5123,664 @@
           <a:bodyPr anchor="t"/>
           <a:lstStyle/>
           <a:p>
-            <a:pPr/>
-            <a:r>
-              <a:t>SCSS </a:t>
-            </a:r>
-          </a:p>
-          <a:p>
-            <a:pPr lvl="1"/>
-            <a:r>
-              <a:t>Sassy CSS</a:t>
-            </a:r>
-          </a:p>
-          <a:p>
-            <a:pPr lvl="1"/>
-            <a:r>
-              <a:t>Superset / Extension of CSS syntax</a:t>
-            </a:r>
-          </a:p>
-          <a:p>
-            <a:pPr lvl="1"/>
-            <a:r>
-              <a:t>All valid CSS is valid SCSS</a:t>
-            </a:r>
-          </a:p>
-          <a:p>
-            <a:pPr lvl="1"/>
-            <a:r>
-              <a:t>Many preprocessors</a:t>
+            <a:pPr marL="320842" indent="-320842" defTabSz="496569">
+              <a:spcBef>
+                <a:spcPts val="3500"/>
+              </a:spcBef>
+              <a:buSzPct val="100000"/>
+              <a:defRPr sz="3200"/>
+            </a:pPr>
+            <a:r>
+              <a:t>Problem: deeply nested async callbacks</a:t>
+            </a:r>
+          </a:p>
+          <a:p>
+            <a:pPr marL="320842" indent="-320842" defTabSz="496569">
+              <a:spcBef>
+                <a:spcPts val="3500"/>
+              </a:spcBef>
+              <a:buSzPct val="100000"/>
+              <a:defRPr sz="3200"/>
+            </a:pPr>
+            <a:r>
+              <a:t>AKA "pyramid of doom"</a:t>
+            </a:r>
+          </a:p>
+          <a:p>
+            <a:pPr marL="0" indent="0" defTabSz="12700">
+              <a:spcBef>
+                <a:spcPts val="0"/>
+              </a:spcBef>
+              <a:buSzTx/>
+              <a:buNone/>
+              <a:tabLst>
+                <a:tab pos="355600" algn="l"/>
+                <a:tab pos="711200" algn="l"/>
+                <a:tab pos="1066800" algn="l"/>
+                <a:tab pos="1422400" algn="l"/>
+                <a:tab pos="1778000" algn="l"/>
+                <a:tab pos="2133600" algn="l"/>
+                <a:tab pos="2489200" algn="l"/>
+                <a:tab pos="2844800" algn="l"/>
+                <a:tab pos="3200400" algn="l"/>
+                <a:tab pos="3556000" algn="l"/>
+                <a:tab pos="3911600" algn="l"/>
+                <a:tab pos="4267200" algn="l"/>
+              </a:tabLst>
+              <a:defRPr sz="1800">
+                <a:solidFill>
+                  <a:srgbClr val="F4F4F4"/>
+                </a:solidFill>
+                <a:latin typeface="Monaco"/>
+                <a:ea typeface="Monaco"/>
+                <a:cs typeface="Monaco"/>
+                <a:sym typeface="Monaco"/>
+              </a:defRPr>
+            </a:pPr>
+          </a:p>
+          <a:p>
+            <a:pPr marL="0" indent="0" defTabSz="12700">
+              <a:spcBef>
+                <a:spcPts val="0"/>
+              </a:spcBef>
+              <a:buSzTx/>
+              <a:buNone/>
+              <a:tabLst>
+                <a:tab pos="355600" algn="l"/>
+                <a:tab pos="711200" algn="l"/>
+                <a:tab pos="1066800" algn="l"/>
+                <a:tab pos="1422400" algn="l"/>
+                <a:tab pos="1778000" algn="l"/>
+                <a:tab pos="2133600" algn="l"/>
+                <a:tab pos="2489200" algn="l"/>
+                <a:tab pos="2844800" algn="l"/>
+                <a:tab pos="3200400" algn="l"/>
+                <a:tab pos="3556000" algn="l"/>
+                <a:tab pos="3911600" algn="l"/>
+                <a:tab pos="4267200" algn="l"/>
+              </a:tabLst>
+              <a:defRPr sz="1800">
+                <a:solidFill>
+                  <a:srgbClr val="F4F4F4"/>
+                </a:solidFill>
+                <a:latin typeface="Monaco"/>
+                <a:ea typeface="Monaco"/>
+                <a:cs typeface="Monaco"/>
+                <a:sym typeface="Monaco"/>
+              </a:defRPr>
+            </a:pPr>
+            <a:r>
+              <a:t>        ajax.getPlayerInfo(( data )</a:t>
+            </a:r>
+            <a:r>
+              <a:rPr>
+                <a:solidFill>
+                  <a:srgbClr val="34BC26"/>
+                </a:solidFill>
+              </a:rPr>
+              <a:t>=&gt;</a:t>
+            </a:r>
+            <a:r>
+              <a:t>{</a:t>
+            </a:r>
+          </a:p>
+          <a:p>
+            <a:pPr marL="0" indent="0" defTabSz="12700">
+              <a:spcBef>
+                <a:spcPts val="0"/>
+              </a:spcBef>
+              <a:buSzTx/>
+              <a:buNone/>
+              <a:tabLst>
+                <a:tab pos="355600" algn="l"/>
+                <a:tab pos="711200" algn="l"/>
+                <a:tab pos="1066800" algn="l"/>
+                <a:tab pos="1422400" algn="l"/>
+                <a:tab pos="1778000" algn="l"/>
+                <a:tab pos="2133600" algn="l"/>
+                <a:tab pos="2489200" algn="l"/>
+                <a:tab pos="2844800" algn="l"/>
+                <a:tab pos="3200400" algn="l"/>
+                <a:tab pos="3556000" algn="l"/>
+                <a:tab pos="3911600" algn="l"/>
+                <a:tab pos="4267200" algn="l"/>
+              </a:tabLst>
+              <a:defRPr sz="1800">
+                <a:solidFill>
+                  <a:srgbClr val="F4F4F4"/>
+                </a:solidFill>
+                <a:latin typeface="Monaco"/>
+                <a:ea typeface="Monaco"/>
+                <a:cs typeface="Monaco"/>
+                <a:sym typeface="Monaco"/>
+              </a:defRPr>
+            </a:pPr>
+            <a:r>
+              <a:t>          </a:t>
+            </a:r>
+            <a:r>
+              <a:rPr>
+                <a:solidFill>
+                  <a:srgbClr val="34BC26"/>
+                </a:solidFill>
+              </a:rPr>
+              <a:t>let</a:t>
+            </a:r>
+            <a:r>
+              <a:t> resp </a:t>
+            </a:r>
+            <a:r>
+              <a:rPr>
+                <a:solidFill>
+                  <a:srgbClr val="CD7923"/>
+                </a:solidFill>
+              </a:rPr>
+              <a:t>=</a:t>
+            </a:r>
+            <a:r>
+              <a:t> </a:t>
+            </a:r>
+            <a:r>
+              <a:rPr>
+                <a:solidFill>
+                  <a:srgbClr val="C33720"/>
+                </a:solidFill>
+              </a:rPr>
+              <a:t>JSON</a:t>
+            </a:r>
+            <a:r>
+              <a:t>.parse( data.response );</a:t>
+            </a:r>
+          </a:p>
+          <a:p>
+            <a:pPr marL="0" indent="0" defTabSz="12700">
+              <a:spcBef>
+                <a:spcPts val="0"/>
+              </a:spcBef>
+              <a:buSzTx/>
+              <a:buNone/>
+              <a:tabLst>
+                <a:tab pos="355600" algn="l"/>
+                <a:tab pos="711200" algn="l"/>
+                <a:tab pos="1066800" algn="l"/>
+                <a:tab pos="1422400" algn="l"/>
+                <a:tab pos="1778000" algn="l"/>
+                <a:tab pos="2133600" algn="l"/>
+                <a:tab pos="2489200" algn="l"/>
+                <a:tab pos="2844800" algn="l"/>
+                <a:tab pos="3200400" algn="l"/>
+                <a:tab pos="3556000" algn="l"/>
+                <a:tab pos="3911600" algn="l"/>
+                <a:tab pos="4267200" algn="l"/>
+              </a:tabLst>
+              <a:defRPr sz="1800">
+                <a:solidFill>
+                  <a:srgbClr val="F4F4F4"/>
+                </a:solidFill>
+                <a:latin typeface="Monaco"/>
+                <a:ea typeface="Monaco"/>
+                <a:cs typeface="Monaco"/>
+                <a:sym typeface="Monaco"/>
+              </a:defRPr>
+            </a:pPr>
+            <a:r>
+              <a:t>          </a:t>
+            </a:r>
+            <a:r>
+              <a:rPr>
+                <a:solidFill>
+                  <a:srgbClr val="CD7923"/>
+                </a:solidFill>
+              </a:rPr>
+              <a:t>if</a:t>
+            </a:r>
+            <a:r>
+              <a:t> ( resp ) {</a:t>
+            </a:r>
+          </a:p>
+          <a:p>
+            <a:pPr marL="0" indent="0" defTabSz="12700">
+              <a:spcBef>
+                <a:spcPts val="0"/>
+              </a:spcBef>
+              <a:buSzTx/>
+              <a:buNone/>
+              <a:tabLst>
+                <a:tab pos="355600" algn="l"/>
+                <a:tab pos="711200" algn="l"/>
+                <a:tab pos="1066800" algn="l"/>
+                <a:tab pos="1422400" algn="l"/>
+                <a:tab pos="1778000" algn="l"/>
+                <a:tab pos="2133600" algn="l"/>
+                <a:tab pos="2489200" algn="l"/>
+                <a:tab pos="2844800" algn="l"/>
+                <a:tab pos="3200400" algn="l"/>
+                <a:tab pos="3556000" algn="l"/>
+                <a:tab pos="3911600" algn="l"/>
+                <a:tab pos="4267200" algn="l"/>
+              </a:tabLst>
+              <a:defRPr sz="1800">
+                <a:solidFill>
+                  <a:srgbClr val="F4F4F4"/>
+                </a:solidFill>
+                <a:latin typeface="Monaco"/>
+                <a:ea typeface="Monaco"/>
+                <a:cs typeface="Monaco"/>
+                <a:sym typeface="Monaco"/>
+              </a:defRPr>
+            </a:pPr>
+            <a:r>
+              <a:t>            GC.game.playerAttributesObj </a:t>
+            </a:r>
+            <a:r>
+              <a:rPr>
+                <a:solidFill>
+                  <a:srgbClr val="CD7923"/>
+                </a:solidFill>
+              </a:rPr>
+              <a:t>=</a:t>
+            </a:r>
+            <a:r>
+              <a:t> resp.playerAttributesObj;</a:t>
+            </a:r>
+          </a:p>
+          <a:p>
+            <a:pPr marL="0" indent="0" defTabSz="12700">
+              <a:spcBef>
+                <a:spcPts val="0"/>
+              </a:spcBef>
+              <a:buSzTx/>
+              <a:buNone/>
+              <a:tabLst>
+                <a:tab pos="355600" algn="l"/>
+                <a:tab pos="711200" algn="l"/>
+                <a:tab pos="1066800" algn="l"/>
+                <a:tab pos="1422400" algn="l"/>
+                <a:tab pos="1778000" algn="l"/>
+                <a:tab pos="2133600" algn="l"/>
+                <a:tab pos="2489200" algn="l"/>
+                <a:tab pos="2844800" algn="l"/>
+                <a:tab pos="3200400" algn="l"/>
+                <a:tab pos="3556000" algn="l"/>
+                <a:tab pos="3911600" algn="l"/>
+                <a:tab pos="4267200" algn="l"/>
+              </a:tabLst>
+              <a:defRPr sz="1800">
+                <a:solidFill>
+                  <a:srgbClr val="5230E1"/>
+                </a:solidFill>
+                <a:latin typeface="Monaco"/>
+                <a:ea typeface="Monaco"/>
+                <a:cs typeface="Monaco"/>
+                <a:sym typeface="Monaco"/>
+              </a:defRPr>
+            </a:pPr>
+            <a:r>
+              <a:rPr>
+                <a:solidFill>
+                  <a:srgbClr val="F4F4F4"/>
+                </a:solidFill>
+              </a:rPr>
+              <a:t>            </a:t>
+            </a:r>
+            <a:r>
+              <a:t>// </a:t>
+            </a:r>
+            <a:r>
+              <a:rPr>
+                <a:solidFill>
+                  <a:srgbClr val="000000"/>
+                </a:solidFill>
+              </a:rPr>
+              <a:t>TODO</a:t>
+            </a:r>
+            <a:r>
+              <a:t>: hook up updatePlayer</a:t>
+            </a:r>
+            <a:endParaRPr>
+              <a:solidFill>
+                <a:srgbClr val="F4F4F4"/>
+              </a:solidFill>
+            </a:endParaRPr>
+          </a:p>
+          <a:p>
+            <a:pPr marL="0" indent="0" defTabSz="12700">
+              <a:spcBef>
+                <a:spcPts val="0"/>
+              </a:spcBef>
+              <a:buSzTx/>
+              <a:buNone/>
+              <a:tabLst>
+                <a:tab pos="355600" algn="l"/>
+                <a:tab pos="711200" algn="l"/>
+                <a:tab pos="1066800" algn="l"/>
+                <a:tab pos="1422400" algn="l"/>
+                <a:tab pos="1778000" algn="l"/>
+                <a:tab pos="2133600" algn="l"/>
+                <a:tab pos="2489200" algn="l"/>
+                <a:tab pos="2844800" algn="l"/>
+                <a:tab pos="3200400" algn="l"/>
+                <a:tab pos="3556000" algn="l"/>
+                <a:tab pos="3911600" algn="l"/>
+                <a:tab pos="4267200" algn="l"/>
+              </a:tabLst>
+              <a:defRPr sz="1800">
+                <a:solidFill>
+                  <a:srgbClr val="F4F4F4"/>
+                </a:solidFill>
+                <a:latin typeface="Monaco"/>
+                <a:ea typeface="Monaco"/>
+                <a:cs typeface="Monaco"/>
+                <a:sym typeface="Monaco"/>
+              </a:defRPr>
+            </a:pPr>
+            <a:r>
+              <a:t>            </a:t>
+            </a:r>
+            <a:r>
+              <a:rPr>
+                <a:solidFill>
+                  <a:srgbClr val="C33720"/>
+                </a:solidFill>
+              </a:rPr>
+              <a:t>document</a:t>
+            </a:r>
+            <a:r>
+              <a:t>.dispatchEvent( </a:t>
+            </a:r>
+            <a:r>
+              <a:rPr>
+                <a:solidFill>
+                  <a:srgbClr val="CD7923"/>
+                </a:solidFill>
+              </a:rPr>
+              <a:t>new</a:t>
+            </a:r>
+            <a:r>
+              <a:t> Event( </a:t>
+            </a:r>
+            <a:r>
+              <a:rPr>
+                <a:solidFill>
+                  <a:srgbClr val="C33720"/>
+                </a:solidFill>
+              </a:rPr>
+              <a:t>'updatePlayer'</a:t>
+            </a:r>
+            <a:r>
+              <a:t> ));</a:t>
+            </a:r>
+          </a:p>
+          <a:p>
+            <a:pPr marL="0" indent="0" defTabSz="12700">
+              <a:spcBef>
+                <a:spcPts val="0"/>
+              </a:spcBef>
+              <a:buSzTx/>
+              <a:buNone/>
+              <a:tabLst>
+                <a:tab pos="355600" algn="l"/>
+                <a:tab pos="711200" algn="l"/>
+                <a:tab pos="1066800" algn="l"/>
+                <a:tab pos="1422400" algn="l"/>
+                <a:tab pos="1778000" algn="l"/>
+                <a:tab pos="2133600" algn="l"/>
+                <a:tab pos="2489200" algn="l"/>
+                <a:tab pos="2844800" algn="l"/>
+                <a:tab pos="3200400" algn="l"/>
+                <a:tab pos="3556000" algn="l"/>
+                <a:tab pos="3911600" algn="l"/>
+                <a:tab pos="4267200" algn="l"/>
+              </a:tabLst>
+              <a:defRPr sz="1800">
+                <a:solidFill>
+                  <a:srgbClr val="F4F4F4"/>
+                </a:solidFill>
+                <a:latin typeface="Monaco"/>
+                <a:ea typeface="Monaco"/>
+                <a:cs typeface="Monaco"/>
+                <a:sym typeface="Monaco"/>
+              </a:defRPr>
+            </a:pPr>
+          </a:p>
+          <a:p>
+            <a:pPr marL="0" indent="0" defTabSz="12700">
+              <a:spcBef>
+                <a:spcPts val="0"/>
+              </a:spcBef>
+              <a:buSzTx/>
+              <a:buNone/>
+              <a:tabLst>
+                <a:tab pos="355600" algn="l"/>
+                <a:tab pos="711200" algn="l"/>
+                <a:tab pos="1066800" algn="l"/>
+                <a:tab pos="1422400" algn="l"/>
+                <a:tab pos="1778000" algn="l"/>
+                <a:tab pos="2133600" algn="l"/>
+                <a:tab pos="2489200" algn="l"/>
+                <a:tab pos="2844800" algn="l"/>
+                <a:tab pos="3200400" algn="l"/>
+                <a:tab pos="3556000" algn="l"/>
+                <a:tab pos="3911600" algn="l"/>
+                <a:tab pos="4267200" algn="l"/>
+              </a:tabLst>
+              <a:defRPr sz="1800">
+                <a:solidFill>
+                  <a:srgbClr val="5230E1"/>
+                </a:solidFill>
+                <a:latin typeface="Monaco"/>
+                <a:ea typeface="Monaco"/>
+                <a:cs typeface="Monaco"/>
+                <a:sym typeface="Monaco"/>
+              </a:defRPr>
+            </a:pPr>
+            <a:r>
+              <a:rPr>
+                <a:solidFill>
+                  <a:srgbClr val="F4F4F4"/>
+                </a:solidFill>
+              </a:rPr>
+              <a:t>            </a:t>
+            </a:r>
+            <a:r>
+              <a:t>// hardcoded to 1 for example purposes</a:t>
+            </a:r>
+            <a:endParaRPr>
+              <a:solidFill>
+                <a:srgbClr val="F4F4F4"/>
+              </a:solidFill>
+            </a:endParaRPr>
+          </a:p>
+          <a:p>
+            <a:pPr marL="0" indent="0" defTabSz="12700">
+              <a:spcBef>
+                <a:spcPts val="0"/>
+              </a:spcBef>
+              <a:buSzTx/>
+              <a:buNone/>
+              <a:tabLst>
+                <a:tab pos="355600" algn="l"/>
+                <a:tab pos="711200" algn="l"/>
+                <a:tab pos="1066800" algn="l"/>
+                <a:tab pos="1422400" algn="l"/>
+                <a:tab pos="1778000" algn="l"/>
+                <a:tab pos="2133600" algn="l"/>
+                <a:tab pos="2489200" algn="l"/>
+                <a:tab pos="2844800" algn="l"/>
+                <a:tab pos="3200400" algn="l"/>
+                <a:tab pos="3556000" algn="l"/>
+                <a:tab pos="3911600" algn="l"/>
+                <a:tab pos="4267200" algn="l"/>
+              </a:tabLst>
+              <a:defRPr sz="1800">
+                <a:solidFill>
+                  <a:srgbClr val="F4F4F4"/>
+                </a:solidFill>
+                <a:latin typeface="Monaco"/>
+                <a:ea typeface="Monaco"/>
+                <a:cs typeface="Monaco"/>
+                <a:sym typeface="Monaco"/>
+              </a:defRPr>
+            </a:pPr>
+            <a:r>
+              <a:t>            ajax.getPlayerRecord( </a:t>
+            </a:r>
+            <a:r>
+              <a:rPr>
+                <a:solidFill>
+                  <a:srgbClr val="C33720"/>
+                </a:solidFill>
+              </a:rPr>
+              <a:t>'1'</a:t>
+            </a:r>
+            <a:r>
+              <a:t>, ( data )</a:t>
+            </a:r>
+            <a:r>
+              <a:rPr>
+                <a:solidFill>
+                  <a:srgbClr val="34BC26"/>
+                </a:solidFill>
+              </a:rPr>
+              <a:t>=&gt;</a:t>
+            </a:r>
+            <a:r>
+              <a:t>{</a:t>
+            </a:r>
+          </a:p>
+          <a:p>
+            <a:pPr marL="0" indent="0" defTabSz="12700">
+              <a:spcBef>
+                <a:spcPts val="0"/>
+              </a:spcBef>
+              <a:buSzTx/>
+              <a:buNone/>
+              <a:tabLst>
+                <a:tab pos="355600" algn="l"/>
+                <a:tab pos="711200" algn="l"/>
+                <a:tab pos="1066800" algn="l"/>
+                <a:tab pos="1422400" algn="l"/>
+                <a:tab pos="1778000" algn="l"/>
+                <a:tab pos="2133600" algn="l"/>
+                <a:tab pos="2489200" algn="l"/>
+                <a:tab pos="2844800" algn="l"/>
+                <a:tab pos="3200400" algn="l"/>
+                <a:tab pos="3556000" algn="l"/>
+                <a:tab pos="3911600" algn="l"/>
+                <a:tab pos="4267200" algn="l"/>
+              </a:tabLst>
+              <a:defRPr sz="1800">
+                <a:solidFill>
+                  <a:srgbClr val="F4F4F4"/>
+                </a:solidFill>
+                <a:latin typeface="Monaco"/>
+                <a:ea typeface="Monaco"/>
+                <a:cs typeface="Monaco"/>
+                <a:sym typeface="Monaco"/>
+              </a:defRPr>
+            </a:pPr>
+            <a:r>
+              <a:t>              GC.game.playerAttributesObj[ </a:t>
+            </a:r>
+            <a:r>
+              <a:rPr>
+                <a:solidFill>
+                  <a:srgbClr val="C33720"/>
+                </a:solidFill>
+              </a:rPr>
+              <a:t>1</a:t>
+            </a:r>
+            <a:r>
+              <a:t> ].record </a:t>
+            </a:r>
+            <a:r>
+              <a:rPr>
+                <a:solidFill>
+                  <a:srgbClr val="CD7923"/>
+                </a:solidFill>
+              </a:rPr>
+              <a:t>=</a:t>
+            </a:r>
+            <a:r>
+              <a:t> resp.playerRecord;</a:t>
+            </a:r>
+          </a:p>
+          <a:p>
+            <a:pPr marL="0" indent="0" defTabSz="12700">
+              <a:spcBef>
+                <a:spcPts val="0"/>
+              </a:spcBef>
+              <a:buSzTx/>
+              <a:buNone/>
+              <a:tabLst>
+                <a:tab pos="355600" algn="l"/>
+                <a:tab pos="711200" algn="l"/>
+                <a:tab pos="1066800" algn="l"/>
+                <a:tab pos="1422400" algn="l"/>
+                <a:tab pos="1778000" algn="l"/>
+                <a:tab pos="2133600" algn="l"/>
+                <a:tab pos="2489200" algn="l"/>
+                <a:tab pos="2844800" algn="l"/>
+                <a:tab pos="3200400" algn="l"/>
+                <a:tab pos="3556000" algn="l"/>
+                <a:tab pos="3911600" algn="l"/>
+                <a:tab pos="4267200" algn="l"/>
+              </a:tabLst>
+              <a:defRPr sz="1800">
+                <a:solidFill>
+                  <a:srgbClr val="F4F4F4"/>
+                </a:solidFill>
+                <a:latin typeface="Monaco"/>
+                <a:ea typeface="Monaco"/>
+                <a:cs typeface="Monaco"/>
+                <a:sym typeface="Monaco"/>
+              </a:defRPr>
+            </a:pPr>
+          </a:p>
+          <a:p>
+            <a:pPr marL="0" indent="0" defTabSz="12700">
+              <a:spcBef>
+                <a:spcPts val="0"/>
+              </a:spcBef>
+              <a:buSzTx/>
+              <a:buNone/>
+              <a:tabLst>
+                <a:tab pos="355600" algn="l"/>
+                <a:tab pos="711200" algn="l"/>
+                <a:tab pos="1066800" algn="l"/>
+                <a:tab pos="1422400" algn="l"/>
+                <a:tab pos="1778000" algn="l"/>
+                <a:tab pos="2133600" algn="l"/>
+                <a:tab pos="2489200" algn="l"/>
+                <a:tab pos="2844800" algn="l"/>
+                <a:tab pos="3200400" algn="l"/>
+                <a:tab pos="3556000" algn="l"/>
+                <a:tab pos="3911600" algn="l"/>
+                <a:tab pos="4267200" algn="l"/>
+              </a:tabLst>
+              <a:defRPr sz="1800">
+                <a:solidFill>
+                  <a:srgbClr val="F4F4F4"/>
+                </a:solidFill>
+                <a:latin typeface="Monaco"/>
+                <a:ea typeface="Monaco"/>
+                <a:cs typeface="Monaco"/>
+                <a:sym typeface="Monaco"/>
+              </a:defRPr>
+            </a:pPr>
+            <a:r>
+              <a:t>              ajax.getPlayersHighscore(( data )</a:t>
+            </a:r>
+            <a:r>
+              <a:rPr>
+                <a:solidFill>
+                  <a:srgbClr val="34BC26"/>
+                </a:solidFill>
+              </a:rPr>
+              <a:t>=&gt;</a:t>
+            </a:r>
+            <a:r>
+              <a:t>{</a:t>
             </a:r>
           </a:p>
         </p:txBody>
@@ -5078,7 +5813,7 @@
       </p:grpSpPr>
       <p:sp>
         <p:nvSpPr>
-          <p:cNvPr id="197" name="SASS"/>
+          <p:cNvPr id="197" name="Promises"/>
           <p:cNvSpPr txBox="1"/>
           <p:nvPr>
             <p:ph type="title"/>
@@ -5095,14 +5830,14 @@
           <a:p>
             <a:pPr/>
             <a:r>
-              <a:t>SASS</a:t>
-            </a:r>
-          </a:p>
-        </p:txBody>
-      </p:sp>
-      <p:sp>
-        <p:nvSpPr>
-          <p:cNvPr id="198" name="Together…"/>
+              <a:t>Promises</a:t>
+            </a:r>
+          </a:p>
+        </p:txBody>
+      </p:sp>
+      <p:sp>
+        <p:nvSpPr>
+          <p:cNvPr id="198" name="Promises help to manage nested async calls…"/>
           <p:cNvSpPr txBox="1"/>
           <p:nvPr>
             <p:ph type="body" idx="1"/>
@@ -5117,33 +5852,152 @@
           <a:bodyPr anchor="t"/>
           <a:lstStyle/>
           <a:p>
-            <a:pPr/>
-            <a:r>
-              <a:t>Together </a:t>
-            </a:r>
-          </a:p>
-          <a:p>
-            <a:pPr lvl="1"/>
-            <a:r>
-              <a:t>Preprocessor can convert between:</a:t>
-            </a:r>
-          </a:p>
-          <a:p>
-            <a:pPr lvl="2"/>
-            <a:r>
-              <a:t>SCSS, SASS, CSS, LESS</a:t>
-            </a:r>
-          </a:p>
-          <a:p>
-            <a:pPr lvl="1"/>
-            <a:r>
-              <a:t>SCSS most popular as a format</a:t>
-            </a:r>
-          </a:p>
-          <a:p>
-            <a:pPr lvl="1"/>
-            <a:r>
-              <a:t>The name SASS often refers to all formats</a:t>
+            <a:pPr marL="320842" indent="-320842" defTabSz="496569">
+              <a:spcBef>
+                <a:spcPts val="3500"/>
+              </a:spcBef>
+              <a:buSzPct val="100000"/>
+              <a:defRPr sz="3200"/>
+            </a:pPr>
+            <a:r>
+              <a:t>Promises help to manage nested async calls</a:t>
+            </a:r>
+          </a:p>
+          <a:p>
+            <a:pPr marL="0" indent="0" defTabSz="12700">
+              <a:spcBef>
+                <a:spcPts val="0"/>
+              </a:spcBef>
+              <a:buSzTx/>
+              <a:buNone/>
+              <a:tabLst>
+                <a:tab pos="355600" algn="l"/>
+                <a:tab pos="711200" algn="l"/>
+                <a:tab pos="1066800" algn="l"/>
+                <a:tab pos="1422400" algn="l"/>
+                <a:tab pos="1778000" algn="l"/>
+                <a:tab pos="2133600" algn="l"/>
+                <a:tab pos="2489200" algn="l"/>
+                <a:tab pos="2844800" algn="l"/>
+                <a:tab pos="3200400" algn="l"/>
+                <a:tab pos="3556000" algn="l"/>
+                <a:tab pos="3911600" algn="l"/>
+                <a:tab pos="4267200" algn="l"/>
+              </a:tabLst>
+              <a:defRPr sz="1800">
+                <a:solidFill>
+                  <a:srgbClr val="F4F4F4"/>
+                </a:solidFill>
+                <a:latin typeface="Monaco"/>
+                <a:ea typeface="Monaco"/>
+                <a:cs typeface="Monaco"/>
+                <a:sym typeface="Monaco"/>
+              </a:defRPr>
+            </a:pPr>
+          </a:p>
+          <a:p>
+            <a:pPr marL="0" indent="0" defTabSz="12700">
+              <a:spcBef>
+                <a:spcPts val="0"/>
+              </a:spcBef>
+              <a:buSzTx/>
+              <a:buNone/>
+              <a:tabLst>
+                <a:tab pos="355600" algn="l"/>
+                <a:tab pos="711200" algn="l"/>
+                <a:tab pos="1066800" algn="l"/>
+                <a:tab pos="1422400" algn="l"/>
+                <a:tab pos="1778000" algn="l"/>
+                <a:tab pos="2133600" algn="l"/>
+                <a:tab pos="2489200" algn="l"/>
+                <a:tab pos="2844800" algn="l"/>
+                <a:tab pos="3200400" algn="l"/>
+                <a:tab pos="3556000" algn="l"/>
+                <a:tab pos="3911600" algn="l"/>
+                <a:tab pos="4267200" algn="l"/>
+              </a:tabLst>
+              <a:defRPr sz="1800">
+                <a:solidFill>
+                  <a:srgbClr val="F4F4F4"/>
+                </a:solidFill>
+                <a:latin typeface="Monaco"/>
+                <a:ea typeface="Monaco"/>
+                <a:cs typeface="Monaco"/>
+                <a:sym typeface="Monaco"/>
+              </a:defRPr>
+            </a:pPr>
+            <a:r>
+              <a:t>        prmInfo</a:t>
+            </a:r>
+          </a:p>
+          <a:p>
+            <a:pPr marL="0" indent="0" defTabSz="12700">
+              <a:spcBef>
+                <a:spcPts val="0"/>
+              </a:spcBef>
+              <a:buSzTx/>
+              <a:buNone/>
+              <a:tabLst>
+                <a:tab pos="355600" algn="l"/>
+                <a:tab pos="711200" algn="l"/>
+                <a:tab pos="1066800" algn="l"/>
+                <a:tab pos="1422400" algn="l"/>
+                <a:tab pos="1778000" algn="l"/>
+                <a:tab pos="2133600" algn="l"/>
+                <a:tab pos="2489200" algn="l"/>
+                <a:tab pos="2844800" algn="l"/>
+                <a:tab pos="3200400" algn="l"/>
+                <a:tab pos="3556000" algn="l"/>
+                <a:tab pos="3911600" algn="l"/>
+                <a:tab pos="4267200" algn="l"/>
+              </a:tabLst>
+              <a:defRPr sz="1800">
+                <a:solidFill>
+                  <a:srgbClr val="F4F4F4"/>
+                </a:solidFill>
+                <a:latin typeface="Monaco"/>
+                <a:ea typeface="Monaco"/>
+                <a:cs typeface="Monaco"/>
+                <a:sym typeface="Monaco"/>
+              </a:defRPr>
+            </a:pPr>
+            <a:r>
+              <a:t>          .then( prmRecord )</a:t>
+            </a:r>
+          </a:p>
+          <a:p>
+            <a:pPr marL="0" indent="0" defTabSz="12700">
+              <a:spcBef>
+                <a:spcPts val="0"/>
+              </a:spcBef>
+              <a:buSzTx/>
+              <a:buNone/>
+              <a:tabLst>
+                <a:tab pos="355600" algn="l"/>
+                <a:tab pos="711200" algn="l"/>
+                <a:tab pos="1066800" algn="l"/>
+                <a:tab pos="1422400" algn="l"/>
+                <a:tab pos="1778000" algn="l"/>
+                <a:tab pos="2133600" algn="l"/>
+                <a:tab pos="2489200" algn="l"/>
+                <a:tab pos="2844800" algn="l"/>
+                <a:tab pos="3200400" algn="l"/>
+                <a:tab pos="3556000" algn="l"/>
+                <a:tab pos="3911600" algn="l"/>
+                <a:tab pos="4267200" algn="l"/>
+              </a:tabLst>
+              <a:defRPr sz="1800">
+                <a:solidFill>
+                  <a:srgbClr val="F4F4F4"/>
+                </a:solidFill>
+                <a:latin typeface="Monaco"/>
+                <a:ea typeface="Monaco"/>
+                <a:cs typeface="Monaco"/>
+                <a:sym typeface="Monaco"/>
+              </a:defRPr>
+            </a:pPr>
+            <a:r>
+              <a:t>          .then( prmHighscore );</a:t>
             </a:r>
           </a:p>
         </p:txBody>
@@ -5176,7 +6030,7 @@
       </p:grpSpPr>
       <p:sp>
         <p:nvSpPr>
-          <p:cNvPr id="200" name="SASS"/>
+          <p:cNvPr id="200" name="Lab: Promises"/>
           <p:cNvSpPr txBox="1"/>
           <p:nvPr>
             <p:ph type="title"/>
@@ -5193,14 +6047,14 @@
           <a:p>
             <a:pPr/>
             <a:r>
-              <a:t>SASS</a:t>
-            </a:r>
-          </a:p>
-        </p:txBody>
-      </p:sp>
-      <p:sp>
-        <p:nvSpPr>
-          <p:cNvPr id="201" name="Features…"/>
+              <a:t>Lab: Promises</a:t>
+            </a:r>
+          </a:p>
+        </p:txBody>
+      </p:sp>
+      <p:sp>
+        <p:nvSpPr>
+          <p:cNvPr id="201" name="Goal: Use Promises to handle multiple, dependent data…"/>
           <p:cNvSpPr txBox="1"/>
           <p:nvPr>
             <p:ph type="body" idx="1"/>
@@ -5215,30 +6069,63 @@
           <a:bodyPr anchor="t"/>
           <a:lstStyle/>
           <a:p>
-            <a:pPr marL="0" indent="0">
-              <a:buSzTx/>
-              <a:buNone/>
-            </a:pPr>
-            <a:r>
-              <a:t>Features</a:t>
-            </a:r>
-          </a:p>
-          <a:p>
-            <a:pPr lvl="1"/>
-            <a:r>
-              <a:t>Variables</a:t>
-            </a:r>
-          </a:p>
-          <a:p>
-            <a:pPr lvl="1"/>
-            <a:r>
-              <a:t>Mixins</a:t>
-            </a:r>
-          </a:p>
-          <a:p>
-            <a:pPr lvl="1"/>
-            <a:r>
-              <a:t>Nesting</a:t>
+            <a:pPr marL="320842" indent="-320842" defTabSz="496569">
+              <a:spcBef>
+                <a:spcPts val="3500"/>
+              </a:spcBef>
+              <a:buSzPct val="100000"/>
+              <a:defRPr sz="3200"/>
+            </a:pPr>
+            <a:r>
+              <a:t>Goal: Use Promises to handle multiple, dependent data</a:t>
+            </a:r>
+          </a:p>
+          <a:p>
+            <a:pPr marL="320842" indent="-320842" defTabSz="496569">
+              <a:spcBef>
+                <a:spcPts val="3500"/>
+              </a:spcBef>
+              <a:buSzPct val="100000"/>
+              <a:defRPr sz="3200"/>
+            </a:pPr>
+            <a:r>
+              <a:t>Reason: Better pattern for dependent async calls</a:t>
+            </a:r>
+          </a:p>
+          <a:p>
+            <a:pPr marL="320842" indent="-320842" defTabSz="496569">
+              <a:spcBef>
+                <a:spcPts val="3500"/>
+              </a:spcBef>
+              <a:buSzPct val="100000"/>
+              <a:defRPr sz="3200"/>
+            </a:pPr>
+            <a:r>
+              <a:t>Method: Replace nested calls with chained Promises</a:t>
+            </a:r>
+          </a:p>
+          <a:p>
+            <a:pPr marL="320842" indent="-320842" defTabSz="496569">
+              <a:spcBef>
+                <a:spcPts val="3500"/>
+              </a:spcBef>
+              <a:buSzPct val="100000"/>
+              <a:defRPr sz="3200"/>
+            </a:pPr>
+            <a:r>
+              <a:t>Notes: Run 'node 02-server.js' to start local server before ajax will work</a:t>
+            </a:r>
+          </a:p>
+          <a:p>
+            <a:pPr marL="320842" indent="-320842" defTabSz="496569">
+              <a:spcBef>
+                <a:spcPts val="3500"/>
+              </a:spcBef>
+              <a:buSzPct val="100000"/>
+              <a:defRPr sz="3200"/>
+            </a:pPr>
+            <a:r>
+              <a:t>Instructions: 04-ajax-promises/02-03-changes.txt</a:t>
             </a:r>
           </a:p>
         </p:txBody>
@@ -5271,7 +6158,7 @@
       </p:grpSpPr>
       <p:sp>
         <p:nvSpPr>
-          <p:cNvPr id="203" name="SASS"/>
+          <p:cNvPr id="203" name="Mock Ajax"/>
           <p:cNvSpPr txBox="1"/>
           <p:nvPr>
             <p:ph type="title"/>
@@ -5288,378 +6175,85 @@
           <a:p>
             <a:pPr/>
             <a:r>
-              <a:t>SASS</a:t>
-            </a:r>
-          </a:p>
-        </p:txBody>
-      </p:sp>
-      <p:sp>
-        <p:nvSpPr>
-          <p:cNvPr id="204" name="$color: red;…"/>
-          <p:cNvSpPr txBox="1"/>
-          <p:nvPr>
-            <p:ph type="body" sz="half" idx="1"/>
-          </p:nvPr>
-        </p:nvSpPr>
-        <p:spPr>
-          <a:xfrm>
-            <a:off x="952500" y="2590800"/>
-            <a:ext cx="5155456" cy="6286500"/>
-          </a:xfrm>
-          <a:prstGeom prst="rect">
-            <a:avLst/>
-          </a:prstGeom>
-          <a:solidFill>
-            <a:srgbClr val="232323"/>
-          </a:solidFill>
+              <a:t>Mock Ajax</a:t>
+            </a:r>
+          </a:p>
+        </p:txBody>
+      </p:sp>
+      <p:sp>
+        <p:nvSpPr>
+          <p:cNvPr id="204" name="Automated testing can't rely on real web calls…"/>
+          <p:cNvSpPr txBox="1"/>
+          <p:nvPr>
+            <p:ph type="body" idx="1"/>
+          </p:nvPr>
+        </p:nvSpPr>
+        <p:spPr>
+          <a:prstGeom prst="rect">
+            <a:avLst/>
+          </a:prstGeom>
         </p:spPr>
         <p:txBody>
           <a:bodyPr anchor="t"/>
           <a:lstStyle/>
           <a:p>
-            <a:pPr marL="0" indent="0" defTabSz="344677">
-              <a:spcBef>
-                <a:spcPts val="2400"/>
-              </a:spcBef>
-              <a:buSzTx/>
-              <a:buNone/>
-              <a:defRPr sz="2241"/>
-            </a:pPr>
-            <a:r>
-              <a:rPr>
-                <a:solidFill>
-                  <a:srgbClr val="80B2E0"/>
-                </a:solidFill>
-              </a:rPr>
-              <a:t>$color:</a:t>
-            </a:r>
-            <a:r>
-              <a:t> red;</a:t>
-            </a:r>
-          </a:p>
-          <a:p>
-            <a:pPr marL="0" indent="0" defTabSz="344677">
-              <a:spcBef>
-                <a:spcPts val="2400"/>
-              </a:spcBef>
-              <a:buSzTx/>
-              <a:buNone/>
-              <a:defRPr sz="2241"/>
-            </a:pPr>
-          </a:p>
-          <a:p>
-            <a:pPr marL="0" indent="0" defTabSz="344677">
-              <a:spcBef>
-                <a:spcPts val="2400"/>
-              </a:spcBef>
-              <a:buSzTx/>
-              <a:buNone/>
-              <a:defRPr sz="2241"/>
-            </a:pPr>
-            <a:r>
-              <a:rPr>
-                <a:solidFill>
-                  <a:srgbClr val="98C58B"/>
-                </a:solidFill>
-              </a:rPr>
-              <a:t>@mixin</a:t>
-            </a:r>
-            <a:r>
-              <a:t> my-border($color) {</a:t>
-            </a:r>
-          </a:p>
-          <a:p>
-            <a:pPr marL="0" indent="0" defTabSz="344677">
-              <a:spcBef>
-                <a:spcPts val="2400"/>
-              </a:spcBef>
-              <a:buSzTx/>
-              <a:buNone/>
-              <a:defRPr sz="2241"/>
-            </a:pPr>
-            <a:r>
-              <a:t>  border: 1px solid $color;</a:t>
-            </a:r>
-          </a:p>
-          <a:p>
-            <a:pPr marL="0" indent="0" defTabSz="344677">
-              <a:spcBef>
-                <a:spcPts val="2400"/>
-              </a:spcBef>
-              <a:buSzTx/>
-              <a:buNone/>
-              <a:defRPr sz="2241"/>
-            </a:pPr>
-            <a:r>
-              <a:t>}</a:t>
-            </a:r>
-          </a:p>
-          <a:p>
-            <a:pPr marL="0" indent="0" defTabSz="344677">
-              <a:spcBef>
-                <a:spcPts val="2400"/>
-              </a:spcBef>
-              <a:buSzTx/>
-              <a:buNone/>
-              <a:defRPr sz="2241"/>
-            </a:pPr>
-          </a:p>
-          <a:p>
-            <a:pPr marL="0" indent="0" defTabSz="344677">
-              <a:spcBef>
-                <a:spcPts val="2400"/>
-              </a:spcBef>
-              <a:buSzTx/>
-              <a:buNone/>
-              <a:defRPr sz="2241"/>
-            </a:pPr>
-            <a:r>
-              <a:t>body {</a:t>
-            </a:r>
-          </a:p>
-          <a:p>
-            <a:pPr marL="0" indent="0" defTabSz="344677">
-              <a:spcBef>
-                <a:spcPts val="2400"/>
-              </a:spcBef>
-              <a:buSzTx/>
-              <a:buNone/>
-              <a:defRPr sz="2241"/>
-            </a:pPr>
-            <a:r>
-              <a:t>  background: </a:t>
-            </a:r>
-            <a:r>
-              <a:rPr>
-                <a:solidFill>
-                  <a:srgbClr val="80B2E0"/>
-                </a:solidFill>
-              </a:rPr>
-              <a:t>$color</a:t>
-            </a:r>
-            <a:r>
-              <a:t>;</a:t>
-            </a:r>
-          </a:p>
-          <a:p>
-            <a:pPr marL="0" indent="0" defTabSz="344677">
-              <a:spcBef>
-                <a:spcPts val="2400"/>
-              </a:spcBef>
-              <a:buSzTx/>
-              <a:buNone/>
-              <a:defRPr sz="2241"/>
-            </a:pPr>
-            <a:r>
-              <a:t>  </a:t>
-            </a:r>
-            <a:r>
-              <a:rPr>
-                <a:solidFill>
-                  <a:srgbClr val="98C58B"/>
-                </a:solidFill>
-              </a:rPr>
-              <a:t>@include</a:t>
-            </a:r>
-            <a:r>
-              <a:t> my-border(green);</a:t>
-            </a:r>
-          </a:p>
-          <a:p>
-            <a:pPr marL="0" indent="0" defTabSz="344677">
-              <a:spcBef>
-                <a:spcPts val="2400"/>
-              </a:spcBef>
-              <a:buSzTx/>
-              <a:buNone/>
-              <a:defRPr sz="2241"/>
-            </a:pPr>
-            <a:r>
-              <a:t>}</a:t>
-            </a:r>
-          </a:p>
-        </p:txBody>
-      </p:sp>
-      <p:sp>
-        <p:nvSpPr>
-          <p:cNvPr id="205" name=".list-view-controls {…"/>
-          <p:cNvSpPr txBox="1"/>
-          <p:nvPr/>
-        </p:nvSpPr>
-        <p:spPr>
-          <a:xfrm>
-            <a:off x="6896100" y="2590800"/>
-            <a:ext cx="5155456" cy="6286500"/>
-          </a:xfrm>
-          <a:prstGeom prst="rect">
-            <a:avLst/>
-          </a:prstGeom>
-          <a:solidFill>
-            <a:srgbClr val="232323"/>
-          </a:solidFill>
-          <a:ln w="12700">
-            <a:miter lim="400000"/>
-          </a:ln>
-          <a:extLst>
-            <a:ext uri="{C572A759-6A51-4108-AA02-DFA0A04FC94B}">
-              <ma14:wrappingTextBoxFlag xmlns:ma14="http://schemas.microsoft.com/office/mac/drawingml/2011/main" val="1"/>
-            </a:ext>
-          </a:extLst>
-        </p:spPr>
-        <p:txBody>
-          <a:bodyPr lIns="50800" tIns="50800" rIns="50800" bIns="50800">
-            <a:normAutofit fontScale="100000" lnSpcReduction="0"/>
-          </a:bodyPr>
-          <a:lstStyle/>
-          <a:p>
-            <a:pPr algn="l" defTabSz="303783">
-              <a:spcBef>
-                <a:spcPts val="2100"/>
-              </a:spcBef>
-              <a:defRPr sz="1975"/>
-            </a:pPr>
-            <a:r>
-              <a:rPr>
-                <a:solidFill>
-                  <a:srgbClr val="CDA05D"/>
-                </a:solidFill>
-              </a:rPr>
-              <a:t>.list-view-controls </a:t>
-            </a:r>
-            <a:r>
-              <a:t>{</a:t>
-            </a:r>
-          </a:p>
-          <a:p>
-            <a:pPr algn="l" defTabSz="303783">
-              <a:spcBef>
-                <a:spcPts val="2100"/>
-              </a:spcBef>
-              <a:defRPr sz="1975"/>
-            </a:pPr>
-            <a:r>
-              <a:t>    …</a:t>
-            </a:r>
-          </a:p>
-          <a:p>
-            <a:pPr algn="l" defTabSz="303783">
-              <a:spcBef>
-                <a:spcPts val="2100"/>
-              </a:spcBef>
-              <a:defRPr sz="1975"/>
-            </a:pPr>
-            <a:r>
-              <a:t>    </a:t>
-            </a:r>
-            <a:r>
-              <a:rPr>
-                <a:solidFill>
-                  <a:srgbClr val="CDA05D"/>
-                </a:solidFill>
-              </a:rPr>
-              <a:t>:hover + .pl-items-wrapper ul</a:t>
-            </a:r>
-            <a:r>
-              <a:t> {</a:t>
-            </a:r>
-          </a:p>
-          <a:p>
-            <a:pPr algn="l" defTabSz="303783">
-              <a:spcBef>
-                <a:spcPts val="2100"/>
-              </a:spcBef>
-              <a:defRPr sz="1975"/>
-            </a:pPr>
-            <a:r>
-              <a:t>      flex-direction: column;</a:t>
-            </a:r>
-          </a:p>
-          <a:p>
-            <a:pPr algn="l" defTabSz="303783">
-              <a:spcBef>
-                <a:spcPts val="2100"/>
-              </a:spcBef>
-              <a:defRPr sz="1975"/>
-            </a:pPr>
-            <a:r>
-              <a:t>      </a:t>
-            </a:r>
-            <a:r>
-              <a:rPr>
-                <a:solidFill>
-                  <a:srgbClr val="CDA05D"/>
-                </a:solidFill>
-              </a:rPr>
-              <a:t>li</a:t>
-            </a:r>
-            <a:r>
-              <a:t> {</a:t>
-            </a:r>
-          </a:p>
-          <a:p>
-            <a:pPr algn="l" defTabSz="303783">
-              <a:spcBef>
-                <a:spcPts val="2100"/>
-              </a:spcBef>
-              <a:defRPr sz="1975"/>
-            </a:pPr>
-            <a:r>
-              <a:t>        border: none;</a:t>
-            </a:r>
-          </a:p>
-          <a:p>
-            <a:pPr algn="l" defTabSz="303783">
-              <a:spcBef>
-                <a:spcPts val="2100"/>
-              </a:spcBef>
-              <a:defRPr sz="1975"/>
-            </a:pPr>
-            <a:r>
-              <a:t>        list-style-type: square;</a:t>
-            </a:r>
-          </a:p>
-          <a:p>
-            <a:pPr algn="l" defTabSz="303783">
-              <a:spcBef>
-                <a:spcPts val="2100"/>
-              </a:spcBef>
-              <a:defRPr sz="1975"/>
-            </a:pPr>
-            <a:r>
-              <a:t>        padding: 0.5em;</a:t>
-            </a:r>
-          </a:p>
-          <a:p>
-            <a:pPr algn="l" defTabSz="303783">
-              <a:spcBef>
-                <a:spcPts val="2100"/>
-              </a:spcBef>
-              <a:defRPr sz="1975"/>
-            </a:pPr>
-            <a:r>
-              <a:t>      }</a:t>
-            </a:r>
-          </a:p>
-          <a:p>
-            <a:pPr algn="l" defTabSz="303783">
-              <a:spcBef>
-                <a:spcPts val="2100"/>
-              </a:spcBef>
-              <a:defRPr sz="1975"/>
-            </a:pPr>
-            <a:r>
-              <a:t>    }</a:t>
-            </a:r>
-          </a:p>
-          <a:p>
-            <a:pPr algn="l" defTabSz="303783">
-              <a:spcBef>
-                <a:spcPts val="2100"/>
-              </a:spcBef>
-              <a:defRPr sz="1975"/>
-            </a:pPr>
-            <a:r>
-              <a:t>}</a:t>
+            <a:pPr marL="320842" indent="-320842" defTabSz="496569">
+              <a:spcBef>
+                <a:spcPts val="3500"/>
+              </a:spcBef>
+              <a:buSzPct val="100000"/>
+              <a:defRPr sz="3200"/>
+            </a:pPr>
+            <a:r>
+              <a:t>Automated testing can't rely on real web calls</a:t>
+            </a:r>
+          </a:p>
+          <a:p>
+            <a:pPr marL="320842" indent="-320842" defTabSz="496569">
+              <a:spcBef>
+                <a:spcPts val="3500"/>
+              </a:spcBef>
+              <a:buSzPct val="100000"/>
+              <a:defRPr sz="3200"/>
+            </a:pPr>
+            <a:r>
+              <a:t>Three general approaches</a:t>
+            </a:r>
+          </a:p>
+          <a:p>
+            <a:pPr lvl="1" marL="701842" indent="-320842" defTabSz="496569">
+              <a:spcBef>
+                <a:spcPts val="3500"/>
+              </a:spcBef>
+              <a:buSzPct val="100000"/>
+              <a:defRPr sz="3200"/>
+            </a:pPr>
+            <a:r>
+              <a:t>Intercept (Fiddler)</a:t>
+            </a:r>
+          </a:p>
+          <a:p>
+            <a:pPr lvl="1" marL="701842" indent="-320842" defTabSz="496569">
+              <a:spcBef>
+                <a:spcPts val="3500"/>
+              </a:spcBef>
+              <a:buSzPct val="100000"/>
+              <a:defRPr sz="3200"/>
+            </a:pPr>
+            <a:r>
+              <a:t>Change URL (run mock server locally)</a:t>
+            </a:r>
+          </a:p>
+          <a:p>
+            <a:pPr lvl="1" marL="701842" indent="-320842" defTabSz="496569">
+              <a:spcBef>
+                <a:spcPts val="3500"/>
+              </a:spcBef>
+              <a:buSzPct val="100000"/>
+              <a:defRPr sz="3200"/>
+            </a:pPr>
+            <a:r>
+              <a:t>Override XHR object (libraries)</a:t>
             </a:r>
           </a:p>
         </p:txBody>
@@ -5692,7 +6286,7 @@
       </p:grpSpPr>
       <p:sp>
         <p:nvSpPr>
-          <p:cNvPr id="207" name="Lab: SASS code"/>
+          <p:cNvPr id="206" name="Lab: Mock Ajax"/>
           <p:cNvSpPr txBox="1"/>
           <p:nvPr>
             <p:ph type="title"/>
@@ -5709,14 +6303,14 @@
           <a:p>
             <a:pPr/>
             <a:r>
-              <a:t>Lab: SASS code</a:t>
-            </a:r>
-          </a:p>
-        </p:txBody>
-      </p:sp>
-      <p:sp>
-        <p:nvSpPr>
-          <p:cNvPr id="208" name="npm i -D node-sass…"/>
+              <a:t>Lab: Mock Ajax</a:t>
+            </a:r>
+          </a:p>
+        </p:txBody>
+      </p:sp>
+      <p:sp>
+        <p:nvSpPr>
+          <p:cNvPr id="207" name="Use jasmine-ajax…"/>
           <p:cNvSpPr txBox="1"/>
           <p:nvPr>
             <p:ph type="body" idx="1"/>
@@ -5731,33 +6325,75 @@
           <a:bodyPr anchor="t"/>
           <a:lstStyle/>
           <a:p>
-            <a:pPr/>
-            <a:r>
-              <a:t>npm i -D node-sass</a:t>
-            </a:r>
-          </a:p>
-          <a:p>
-            <a:pPr/>
-            <a:r>
-              <a:t>Copy sass-script.js from examples/08-sass</a:t>
-            </a:r>
-          </a:p>
-          <a:p>
-            <a:pPr/>
-            <a:r>
-              <a:t>Create sassy-styles.scss</a:t>
-            </a:r>
-          </a:p>
-          <a:p>
-            <a:pPr/>
-            <a:r>
-              <a:t>Run 'node sass-script.js'</a:t>
-            </a:r>
-          </a:p>
-          <a:p>
-            <a:pPr/>
-            <a:r>
-              <a:t>Use SASS features to finish sassy-styles.scss</a:t>
+            <a:pPr marL="320842" indent="-320842" defTabSz="496569">
+              <a:spcBef>
+                <a:spcPts val="3500"/>
+              </a:spcBef>
+              <a:buSzPct val="100000"/>
+              <a:defRPr sz="3200"/>
+            </a:pPr>
+            <a:r>
+              <a:t>Use jasmine-ajax</a:t>
+            </a:r>
+          </a:p>
+          <a:p>
+            <a:pPr marL="320842" indent="-320842" defTabSz="496569">
+              <a:spcBef>
+                <a:spcPts val="3500"/>
+              </a:spcBef>
+              <a:buSzPct val="100000"/>
+              <a:defRPr sz="3200"/>
+            </a:pPr>
+            <a:r>
+              <a:t>Set up testing</a:t>
+            </a:r>
+          </a:p>
+          <a:p>
+            <a:pPr lvl="1" marL="701842" indent="-320842" defTabSz="496569">
+              <a:spcBef>
+                <a:spcPts val="3500"/>
+              </a:spcBef>
+              <a:buSzPct val="100000"/>
+              <a:defRPr sz="3200"/>
+            </a:pPr>
+            <a:r>
+              <a:t>npm i -D grunt jasmine grunt-contrib-jasmine</a:t>
+            </a:r>
+          </a:p>
+          <a:p>
+            <a:pPr lvl="1" marL="701842" indent="-320842" defTabSz="496569">
+              <a:spcBef>
+                <a:spcPts val="3500"/>
+              </a:spcBef>
+              <a:buSzPct val="100000"/>
+              <a:defRPr sz="3200"/>
+            </a:pPr>
+            <a:r>
+              <a:t>npm i -D karma grunt-karma karma-jasmine</a:t>
+            </a:r>
+          </a:p>
+          <a:p>
+            <a:pPr lvl="1" marL="701842" indent="-320842" defTabSz="496569">
+              <a:spcBef>
+                <a:spcPts val="3500"/>
+              </a:spcBef>
+              <a:buSzPct val="100000"/>
+              <a:defRPr sz="3200"/>
+            </a:pPr>
+            <a:r>
+              <a:t>npm i -D jasmine-ajax karma-jasmine-ajax</a:t>
+            </a:r>
+          </a:p>
+          <a:p>
+            <a:pPr lvl="1" marL="701842" indent="-320842" defTabSz="496569">
+              <a:spcBef>
+                <a:spcPts val="3500"/>
+              </a:spcBef>
+              <a:buSzPct val="100000"/>
+              <a:defRPr sz="3200"/>
+            </a:pPr>
+            <a:r>
+              <a:t>create gruntfile.js </a:t>
             </a:r>
           </a:p>
         </p:txBody>
@@ -5790,7 +6426,7 @@
       </p:grpSpPr>
       <p:sp>
         <p:nvSpPr>
-          <p:cNvPr id="210" name="Lab: SASS build"/>
+          <p:cNvPr id="209" name="SASS"/>
           <p:cNvSpPr txBox="1"/>
           <p:nvPr>
             <p:ph type="title"/>
@@ -5807,14 +6443,14 @@
           <a:p>
             <a:pPr/>
             <a:r>
-              <a:t>Lab: SASS build</a:t>
-            </a:r>
-          </a:p>
-        </p:txBody>
-      </p:sp>
-      <p:sp>
-        <p:nvSpPr>
-          <p:cNvPr id="211" name="Add a Grunt task to watch SASS files…"/>
+              <a:t>SASS</a:t>
+            </a:r>
+          </a:p>
+        </p:txBody>
+      </p:sp>
+      <p:sp>
+        <p:nvSpPr>
+          <p:cNvPr id="210" name="What's it for?…"/>
           <p:cNvSpPr txBox="1"/>
           <p:nvPr>
             <p:ph type="body" idx="1"/>
@@ -5829,27 +6465,119 @@
           <a:bodyPr anchor="t"/>
           <a:lstStyle/>
           <a:p>
-            <a:pPr/>
-            <a:r>
-              <a:t>Add a Grunt task to watch SASS files</a:t>
-            </a:r>
-          </a:p>
-          <a:p>
-            <a:pPr/>
-            <a:r>
-              <a:t>npm i -D grunt-sass grunt-contrib-watch</a:t>
-            </a:r>
-          </a:p>
-          <a:p>
-            <a:pPr/>
-            <a:r>
-              <a:t>grunt.initConfig: add { sass: { dist: { files: { … </a:t>
-            </a:r>
-          </a:p>
-          <a:p>
-            <a:pPr/>
-            <a:r>
-              <a:t>grunt.registerTask('default', ['sass']);</a:t>
+            <a:pPr marL="0" indent="0">
+              <a:buSzTx/>
+              <a:buNone/>
+            </a:pPr>
+            <a:r>
+              <a:t>What's it for?</a:t>
+            </a:r>
+          </a:p>
+          <a:p>
+            <a:pPr/>
+            <a:r>
+              <a:t>SASS helps manage large CSS bases</a:t>
+            </a:r>
+          </a:p>
+          <a:p>
+            <a:pPr/>
+            <a:r>
+              <a:t>Enables higher-order features like variables</a:t>
+            </a:r>
+          </a:p>
+          <a:p>
+            <a:pPr/>
+            <a:r>
+              <a:t>TRY to stay DRY</a:t>
+            </a:r>
+          </a:p>
+        </p:txBody>
+      </p:sp>
+    </p:spTree>
+  </p:cSld>
+  <p:clrMapOvr>
+    <a:masterClrMapping/>
+  </p:clrMapOvr>
+  <p:transition xmlns:p14="http://schemas.microsoft.com/office/powerpoint/2010/main" spd="med" advClick="1"/>
+</p:sld>
+</file>
+
+<file path=ppt/slides/slide29.xml><?xml version="1.0" encoding="utf-8"?>
+<p:sld xmlns:a="http://schemas.openxmlformats.org/drawingml/2006/main" xmlns:r="http://schemas.openxmlformats.org/officeDocument/2006/relationships" xmlns:p="http://schemas.openxmlformats.org/presentationml/2006/main" showMasterSp="1" showMasterPhAnim="1">
+  <p:cSld>
+    <p:spTree>
+      <p:nvGrpSpPr>
+        <p:cNvPr id="1" name=""/>
+        <p:cNvGrpSpPr/>
+        <p:nvPr/>
+      </p:nvGrpSpPr>
+      <p:grpSpPr>
+        <a:xfrm>
+          <a:off x="0" y="0"/>
+          <a:ext cx="0" cy="0"/>
+          <a:chOff x="0" y="0"/>
+          <a:chExt cx="0" cy="0"/>
+        </a:xfrm>
+      </p:grpSpPr>
+      <p:sp>
+        <p:nvSpPr>
+          <p:cNvPr id="212" name="SASS"/>
+          <p:cNvSpPr txBox="1"/>
+          <p:nvPr>
+            <p:ph type="title"/>
+          </p:nvPr>
+        </p:nvSpPr>
+        <p:spPr>
+          <a:prstGeom prst="rect">
+            <a:avLst/>
+          </a:prstGeom>
+        </p:spPr>
+        <p:txBody>
+          <a:bodyPr/>
+          <a:lstStyle/>
+          <a:p>
+            <a:pPr/>
+            <a:r>
+              <a:t>SASS</a:t>
+            </a:r>
+          </a:p>
+        </p:txBody>
+      </p:sp>
+      <p:sp>
+        <p:nvSpPr>
+          <p:cNvPr id="213" name="Background - two formats…"/>
+          <p:cNvSpPr txBox="1"/>
+          <p:nvPr>
+            <p:ph type="body" idx="1"/>
+          </p:nvPr>
+        </p:nvSpPr>
+        <p:spPr>
+          <a:prstGeom prst="rect">
+            <a:avLst/>
+          </a:prstGeom>
+        </p:spPr>
+        <p:txBody>
+          <a:bodyPr anchor="t"/>
+          <a:lstStyle/>
+          <a:p>
+            <a:pPr marL="0" indent="0">
+              <a:buSzTx/>
+              <a:buNone/>
+            </a:pPr>
+            <a:r>
+              <a:t>Background - two formats</a:t>
+            </a:r>
+          </a:p>
+          <a:p>
+            <a:pPr/>
+            <a:r>
+              <a:t>SASS</a:t>
+            </a:r>
+          </a:p>
+          <a:p>
+            <a:pPr/>
+            <a:r>
+              <a:t>SCSS</a:t>
             </a:r>
           </a:p>
         </p:txBody>
@@ -5964,6 +6692,1012 @@
 </p:sld>
 </file>
 
+<file path=ppt/slides/slide30.xml><?xml version="1.0" encoding="utf-8"?>
+<p:sld xmlns:a="http://schemas.openxmlformats.org/drawingml/2006/main" xmlns:r="http://schemas.openxmlformats.org/officeDocument/2006/relationships" xmlns:p="http://schemas.openxmlformats.org/presentationml/2006/main" showMasterSp="1" showMasterPhAnim="1">
+  <p:cSld>
+    <p:spTree>
+      <p:nvGrpSpPr>
+        <p:cNvPr id="1" name=""/>
+        <p:cNvGrpSpPr/>
+        <p:nvPr/>
+      </p:nvGrpSpPr>
+      <p:grpSpPr>
+        <a:xfrm>
+          <a:off x="0" y="0"/>
+          <a:ext cx="0" cy="0"/>
+          <a:chOff x="0" y="0"/>
+          <a:chExt cx="0" cy="0"/>
+        </a:xfrm>
+      </p:grpSpPr>
+      <p:sp>
+        <p:nvSpPr>
+          <p:cNvPr id="215" name="SASS"/>
+          <p:cNvSpPr txBox="1"/>
+          <p:nvPr>
+            <p:ph type="title"/>
+          </p:nvPr>
+        </p:nvSpPr>
+        <p:spPr>
+          <a:prstGeom prst="rect">
+            <a:avLst/>
+          </a:prstGeom>
+        </p:spPr>
+        <p:txBody>
+          <a:bodyPr/>
+          <a:lstStyle/>
+          <a:p>
+            <a:pPr/>
+            <a:r>
+              <a:t>SASS</a:t>
+            </a:r>
+          </a:p>
+        </p:txBody>
+      </p:sp>
+      <p:sp>
+        <p:nvSpPr>
+          <p:cNvPr id="216" name="SASS…"/>
+          <p:cNvSpPr txBox="1"/>
+          <p:nvPr>
+            <p:ph type="body" idx="1"/>
+          </p:nvPr>
+        </p:nvSpPr>
+        <p:spPr>
+          <a:prstGeom prst="rect">
+            <a:avLst/>
+          </a:prstGeom>
+        </p:spPr>
+        <p:txBody>
+          <a:bodyPr anchor="t"/>
+          <a:lstStyle/>
+          <a:p>
+            <a:pPr/>
+            <a:r>
+              <a:t>SASS </a:t>
+            </a:r>
+          </a:p>
+          <a:p>
+            <a:pPr lvl="1"/>
+            <a:r>
+              <a:t>Syntactically Awesome Style Sheets</a:t>
+            </a:r>
+          </a:p>
+          <a:p>
+            <a:pPr lvl="1"/>
+            <a:r>
+              <a:t>Shorthand (Like CoffeeScript or Emmet)</a:t>
+            </a:r>
+          </a:p>
+          <a:p>
+            <a:pPr lvl="2"/>
+            <a:r>
+              <a:t>Indentation instead of braces</a:t>
+            </a:r>
+          </a:p>
+          <a:p>
+            <a:pPr lvl="2"/>
+            <a:r>
+              <a:t>No semicolons</a:t>
+            </a:r>
+          </a:p>
+          <a:p>
+            <a:pPr lvl="1"/>
+            <a:r>
+              <a:t>SASS preprocessor outputs CSS</a:t>
+            </a:r>
+          </a:p>
+        </p:txBody>
+      </p:sp>
+    </p:spTree>
+  </p:cSld>
+  <p:clrMapOvr>
+    <a:masterClrMapping/>
+  </p:clrMapOvr>
+  <p:transition xmlns:p14="http://schemas.microsoft.com/office/powerpoint/2010/main" spd="med" advClick="1"/>
+</p:sld>
+</file>
+
+<file path=ppt/slides/slide31.xml><?xml version="1.0" encoding="utf-8"?>
+<p:sld xmlns:a="http://schemas.openxmlformats.org/drawingml/2006/main" xmlns:r="http://schemas.openxmlformats.org/officeDocument/2006/relationships" xmlns:p="http://schemas.openxmlformats.org/presentationml/2006/main" showMasterSp="1" showMasterPhAnim="1">
+  <p:cSld>
+    <p:spTree>
+      <p:nvGrpSpPr>
+        <p:cNvPr id="1" name=""/>
+        <p:cNvGrpSpPr/>
+        <p:nvPr/>
+      </p:nvGrpSpPr>
+      <p:grpSpPr>
+        <a:xfrm>
+          <a:off x="0" y="0"/>
+          <a:ext cx="0" cy="0"/>
+          <a:chOff x="0" y="0"/>
+          <a:chExt cx="0" cy="0"/>
+        </a:xfrm>
+      </p:grpSpPr>
+      <p:sp>
+        <p:nvSpPr>
+          <p:cNvPr id="218" name="SASS"/>
+          <p:cNvSpPr txBox="1"/>
+          <p:nvPr>
+            <p:ph type="title"/>
+          </p:nvPr>
+        </p:nvSpPr>
+        <p:spPr>
+          <a:prstGeom prst="rect">
+            <a:avLst/>
+          </a:prstGeom>
+        </p:spPr>
+        <p:txBody>
+          <a:bodyPr/>
+          <a:lstStyle/>
+          <a:p>
+            <a:pPr/>
+            <a:r>
+              <a:t>SASS</a:t>
+            </a:r>
+          </a:p>
+        </p:txBody>
+      </p:sp>
+      <p:sp>
+        <p:nvSpPr>
+          <p:cNvPr id="219" name="SCSS…"/>
+          <p:cNvSpPr txBox="1"/>
+          <p:nvPr>
+            <p:ph type="body" idx="1"/>
+          </p:nvPr>
+        </p:nvSpPr>
+        <p:spPr>
+          <a:prstGeom prst="rect">
+            <a:avLst/>
+          </a:prstGeom>
+        </p:spPr>
+        <p:txBody>
+          <a:bodyPr anchor="t"/>
+          <a:lstStyle/>
+          <a:p>
+            <a:pPr/>
+            <a:r>
+              <a:t>SCSS </a:t>
+            </a:r>
+          </a:p>
+          <a:p>
+            <a:pPr lvl="1"/>
+            <a:r>
+              <a:t>Sassy CSS</a:t>
+            </a:r>
+          </a:p>
+          <a:p>
+            <a:pPr lvl="1"/>
+            <a:r>
+              <a:t>Superset / Extension of CSS syntax</a:t>
+            </a:r>
+          </a:p>
+          <a:p>
+            <a:pPr lvl="1"/>
+            <a:r>
+              <a:t>All valid CSS is valid SCSS</a:t>
+            </a:r>
+          </a:p>
+          <a:p>
+            <a:pPr lvl="1"/>
+            <a:r>
+              <a:t>Many preprocessors</a:t>
+            </a:r>
+          </a:p>
+        </p:txBody>
+      </p:sp>
+    </p:spTree>
+  </p:cSld>
+  <p:clrMapOvr>
+    <a:masterClrMapping/>
+  </p:clrMapOvr>
+  <p:transition xmlns:p14="http://schemas.microsoft.com/office/powerpoint/2010/main" spd="med" advClick="1"/>
+</p:sld>
+</file>
+
+<file path=ppt/slides/slide32.xml><?xml version="1.0" encoding="utf-8"?>
+<p:sld xmlns:a="http://schemas.openxmlformats.org/drawingml/2006/main" xmlns:r="http://schemas.openxmlformats.org/officeDocument/2006/relationships" xmlns:p="http://schemas.openxmlformats.org/presentationml/2006/main" showMasterSp="1" showMasterPhAnim="1">
+  <p:cSld>
+    <p:spTree>
+      <p:nvGrpSpPr>
+        <p:cNvPr id="1" name=""/>
+        <p:cNvGrpSpPr/>
+        <p:nvPr/>
+      </p:nvGrpSpPr>
+      <p:grpSpPr>
+        <a:xfrm>
+          <a:off x="0" y="0"/>
+          <a:ext cx="0" cy="0"/>
+          <a:chOff x="0" y="0"/>
+          <a:chExt cx="0" cy="0"/>
+        </a:xfrm>
+      </p:grpSpPr>
+      <p:sp>
+        <p:nvSpPr>
+          <p:cNvPr id="221" name="SASS"/>
+          <p:cNvSpPr txBox="1"/>
+          <p:nvPr>
+            <p:ph type="title"/>
+          </p:nvPr>
+        </p:nvSpPr>
+        <p:spPr>
+          <a:prstGeom prst="rect">
+            <a:avLst/>
+          </a:prstGeom>
+        </p:spPr>
+        <p:txBody>
+          <a:bodyPr/>
+          <a:lstStyle/>
+          <a:p>
+            <a:pPr/>
+            <a:r>
+              <a:t>SASS</a:t>
+            </a:r>
+          </a:p>
+        </p:txBody>
+      </p:sp>
+      <p:sp>
+        <p:nvSpPr>
+          <p:cNvPr id="222" name="Together…"/>
+          <p:cNvSpPr txBox="1"/>
+          <p:nvPr>
+            <p:ph type="body" idx="1"/>
+          </p:nvPr>
+        </p:nvSpPr>
+        <p:spPr>
+          <a:prstGeom prst="rect">
+            <a:avLst/>
+          </a:prstGeom>
+        </p:spPr>
+        <p:txBody>
+          <a:bodyPr anchor="t"/>
+          <a:lstStyle/>
+          <a:p>
+            <a:pPr/>
+            <a:r>
+              <a:t>Together </a:t>
+            </a:r>
+          </a:p>
+          <a:p>
+            <a:pPr lvl="1"/>
+            <a:r>
+              <a:t>Preprocessor can convert between:</a:t>
+            </a:r>
+          </a:p>
+          <a:p>
+            <a:pPr lvl="2"/>
+            <a:r>
+              <a:t>SCSS, SASS, CSS, LESS</a:t>
+            </a:r>
+          </a:p>
+          <a:p>
+            <a:pPr lvl="1"/>
+            <a:r>
+              <a:t>SCSS most popular as a format</a:t>
+            </a:r>
+          </a:p>
+          <a:p>
+            <a:pPr lvl="1"/>
+            <a:r>
+              <a:t>The name SASS often refers to all formats</a:t>
+            </a:r>
+          </a:p>
+        </p:txBody>
+      </p:sp>
+    </p:spTree>
+  </p:cSld>
+  <p:clrMapOvr>
+    <a:masterClrMapping/>
+  </p:clrMapOvr>
+  <p:transition xmlns:p14="http://schemas.microsoft.com/office/powerpoint/2010/main" spd="med" advClick="1"/>
+</p:sld>
+</file>
+
+<file path=ppt/slides/slide33.xml><?xml version="1.0" encoding="utf-8"?>
+<p:sld xmlns:a="http://schemas.openxmlformats.org/drawingml/2006/main" xmlns:r="http://schemas.openxmlformats.org/officeDocument/2006/relationships" xmlns:p="http://schemas.openxmlformats.org/presentationml/2006/main" showMasterSp="1" showMasterPhAnim="1">
+  <p:cSld>
+    <p:spTree>
+      <p:nvGrpSpPr>
+        <p:cNvPr id="1" name=""/>
+        <p:cNvGrpSpPr/>
+        <p:nvPr/>
+      </p:nvGrpSpPr>
+      <p:grpSpPr>
+        <a:xfrm>
+          <a:off x="0" y="0"/>
+          <a:ext cx="0" cy="0"/>
+          <a:chOff x="0" y="0"/>
+          <a:chExt cx="0" cy="0"/>
+        </a:xfrm>
+      </p:grpSpPr>
+      <p:sp>
+        <p:nvSpPr>
+          <p:cNvPr id="224" name="SASS"/>
+          <p:cNvSpPr txBox="1"/>
+          <p:nvPr>
+            <p:ph type="title"/>
+          </p:nvPr>
+        </p:nvSpPr>
+        <p:spPr>
+          <a:prstGeom prst="rect">
+            <a:avLst/>
+          </a:prstGeom>
+        </p:spPr>
+        <p:txBody>
+          <a:bodyPr/>
+          <a:lstStyle/>
+          <a:p>
+            <a:pPr/>
+            <a:r>
+              <a:t>SASS</a:t>
+            </a:r>
+          </a:p>
+        </p:txBody>
+      </p:sp>
+      <p:sp>
+        <p:nvSpPr>
+          <p:cNvPr id="225" name="Features…"/>
+          <p:cNvSpPr txBox="1"/>
+          <p:nvPr>
+            <p:ph type="body" idx="1"/>
+          </p:nvPr>
+        </p:nvSpPr>
+        <p:spPr>
+          <a:prstGeom prst="rect">
+            <a:avLst/>
+          </a:prstGeom>
+        </p:spPr>
+        <p:txBody>
+          <a:bodyPr anchor="t"/>
+          <a:lstStyle/>
+          <a:p>
+            <a:pPr marL="0" indent="0">
+              <a:buSzTx/>
+              <a:buNone/>
+            </a:pPr>
+            <a:r>
+              <a:t>Features</a:t>
+            </a:r>
+          </a:p>
+          <a:p>
+            <a:pPr lvl="1"/>
+            <a:r>
+              <a:t>Variables</a:t>
+            </a:r>
+          </a:p>
+          <a:p>
+            <a:pPr lvl="1"/>
+            <a:r>
+              <a:t>Mixins</a:t>
+            </a:r>
+          </a:p>
+          <a:p>
+            <a:pPr lvl="1"/>
+            <a:r>
+              <a:t>Nesting</a:t>
+            </a:r>
+          </a:p>
+        </p:txBody>
+      </p:sp>
+    </p:spTree>
+  </p:cSld>
+  <p:clrMapOvr>
+    <a:masterClrMapping/>
+  </p:clrMapOvr>
+  <p:transition xmlns:p14="http://schemas.microsoft.com/office/powerpoint/2010/main" spd="med" advClick="1"/>
+</p:sld>
+</file>
+
+<file path=ppt/slides/slide34.xml><?xml version="1.0" encoding="utf-8"?>
+<p:sld xmlns:a="http://schemas.openxmlformats.org/drawingml/2006/main" xmlns:r="http://schemas.openxmlformats.org/officeDocument/2006/relationships" xmlns:p="http://schemas.openxmlformats.org/presentationml/2006/main" showMasterSp="1" showMasterPhAnim="1">
+  <p:cSld>
+    <p:spTree>
+      <p:nvGrpSpPr>
+        <p:cNvPr id="1" name=""/>
+        <p:cNvGrpSpPr/>
+        <p:nvPr/>
+      </p:nvGrpSpPr>
+      <p:grpSpPr>
+        <a:xfrm>
+          <a:off x="0" y="0"/>
+          <a:ext cx="0" cy="0"/>
+          <a:chOff x="0" y="0"/>
+          <a:chExt cx="0" cy="0"/>
+        </a:xfrm>
+      </p:grpSpPr>
+      <p:sp>
+        <p:nvSpPr>
+          <p:cNvPr id="227" name="SASS"/>
+          <p:cNvSpPr txBox="1"/>
+          <p:nvPr>
+            <p:ph type="title"/>
+          </p:nvPr>
+        </p:nvSpPr>
+        <p:spPr>
+          <a:prstGeom prst="rect">
+            <a:avLst/>
+          </a:prstGeom>
+        </p:spPr>
+        <p:txBody>
+          <a:bodyPr/>
+          <a:lstStyle/>
+          <a:p>
+            <a:pPr/>
+            <a:r>
+              <a:t>SASS</a:t>
+            </a:r>
+          </a:p>
+        </p:txBody>
+      </p:sp>
+      <p:sp>
+        <p:nvSpPr>
+          <p:cNvPr id="228" name="$color: red;…"/>
+          <p:cNvSpPr txBox="1"/>
+          <p:nvPr>
+            <p:ph type="body" sz="half" idx="1"/>
+          </p:nvPr>
+        </p:nvSpPr>
+        <p:spPr>
+          <a:xfrm>
+            <a:off x="952500" y="2590800"/>
+            <a:ext cx="5155456" cy="6286500"/>
+          </a:xfrm>
+          <a:prstGeom prst="rect">
+            <a:avLst/>
+          </a:prstGeom>
+          <a:solidFill>
+            <a:srgbClr val="232323"/>
+          </a:solidFill>
+        </p:spPr>
+        <p:txBody>
+          <a:bodyPr anchor="t"/>
+          <a:lstStyle/>
+          <a:p>
+            <a:pPr marL="0" indent="0" defTabSz="344677">
+              <a:spcBef>
+                <a:spcPts val="2400"/>
+              </a:spcBef>
+              <a:buSzTx/>
+              <a:buNone/>
+              <a:defRPr sz="2241"/>
+            </a:pPr>
+            <a:r>
+              <a:rPr>
+                <a:solidFill>
+                  <a:srgbClr val="80B2E0"/>
+                </a:solidFill>
+              </a:rPr>
+              <a:t>$color:</a:t>
+            </a:r>
+            <a:r>
+              <a:t> red;</a:t>
+            </a:r>
+          </a:p>
+          <a:p>
+            <a:pPr marL="0" indent="0" defTabSz="344677">
+              <a:spcBef>
+                <a:spcPts val="2400"/>
+              </a:spcBef>
+              <a:buSzTx/>
+              <a:buNone/>
+              <a:defRPr sz="2241"/>
+            </a:pPr>
+          </a:p>
+          <a:p>
+            <a:pPr marL="0" indent="0" defTabSz="344677">
+              <a:spcBef>
+                <a:spcPts val="2400"/>
+              </a:spcBef>
+              <a:buSzTx/>
+              <a:buNone/>
+              <a:defRPr sz="2241"/>
+            </a:pPr>
+            <a:r>
+              <a:rPr>
+                <a:solidFill>
+                  <a:srgbClr val="98C58B"/>
+                </a:solidFill>
+              </a:rPr>
+              <a:t>@mixin</a:t>
+            </a:r>
+            <a:r>
+              <a:t> my-border($color) {</a:t>
+            </a:r>
+          </a:p>
+          <a:p>
+            <a:pPr marL="0" indent="0" defTabSz="344677">
+              <a:spcBef>
+                <a:spcPts val="2400"/>
+              </a:spcBef>
+              <a:buSzTx/>
+              <a:buNone/>
+              <a:defRPr sz="2241"/>
+            </a:pPr>
+            <a:r>
+              <a:t>  border: 1px solid $color;</a:t>
+            </a:r>
+          </a:p>
+          <a:p>
+            <a:pPr marL="0" indent="0" defTabSz="344677">
+              <a:spcBef>
+                <a:spcPts val="2400"/>
+              </a:spcBef>
+              <a:buSzTx/>
+              <a:buNone/>
+              <a:defRPr sz="2241"/>
+            </a:pPr>
+            <a:r>
+              <a:t>}</a:t>
+            </a:r>
+          </a:p>
+          <a:p>
+            <a:pPr marL="0" indent="0" defTabSz="344677">
+              <a:spcBef>
+                <a:spcPts val="2400"/>
+              </a:spcBef>
+              <a:buSzTx/>
+              <a:buNone/>
+              <a:defRPr sz="2241"/>
+            </a:pPr>
+          </a:p>
+          <a:p>
+            <a:pPr marL="0" indent="0" defTabSz="344677">
+              <a:spcBef>
+                <a:spcPts val="2400"/>
+              </a:spcBef>
+              <a:buSzTx/>
+              <a:buNone/>
+              <a:defRPr sz="2241"/>
+            </a:pPr>
+            <a:r>
+              <a:t>body {</a:t>
+            </a:r>
+          </a:p>
+          <a:p>
+            <a:pPr marL="0" indent="0" defTabSz="344677">
+              <a:spcBef>
+                <a:spcPts val="2400"/>
+              </a:spcBef>
+              <a:buSzTx/>
+              <a:buNone/>
+              <a:defRPr sz="2241"/>
+            </a:pPr>
+            <a:r>
+              <a:t>  background: </a:t>
+            </a:r>
+            <a:r>
+              <a:rPr>
+                <a:solidFill>
+                  <a:srgbClr val="80B2E0"/>
+                </a:solidFill>
+              </a:rPr>
+              <a:t>$color</a:t>
+            </a:r>
+            <a:r>
+              <a:t>;</a:t>
+            </a:r>
+          </a:p>
+          <a:p>
+            <a:pPr marL="0" indent="0" defTabSz="344677">
+              <a:spcBef>
+                <a:spcPts val="2400"/>
+              </a:spcBef>
+              <a:buSzTx/>
+              <a:buNone/>
+              <a:defRPr sz="2241"/>
+            </a:pPr>
+            <a:r>
+              <a:t>  </a:t>
+            </a:r>
+            <a:r>
+              <a:rPr>
+                <a:solidFill>
+                  <a:srgbClr val="98C58B"/>
+                </a:solidFill>
+              </a:rPr>
+              <a:t>@include</a:t>
+            </a:r>
+            <a:r>
+              <a:t> my-border(green);</a:t>
+            </a:r>
+          </a:p>
+          <a:p>
+            <a:pPr marL="0" indent="0" defTabSz="344677">
+              <a:spcBef>
+                <a:spcPts val="2400"/>
+              </a:spcBef>
+              <a:buSzTx/>
+              <a:buNone/>
+              <a:defRPr sz="2241"/>
+            </a:pPr>
+            <a:r>
+              <a:t>}</a:t>
+            </a:r>
+          </a:p>
+        </p:txBody>
+      </p:sp>
+      <p:sp>
+        <p:nvSpPr>
+          <p:cNvPr id="229" name=".list-view-controls {…"/>
+          <p:cNvSpPr txBox="1"/>
+          <p:nvPr/>
+        </p:nvSpPr>
+        <p:spPr>
+          <a:xfrm>
+            <a:off x="6896100" y="2590800"/>
+            <a:ext cx="5155456" cy="6286500"/>
+          </a:xfrm>
+          <a:prstGeom prst="rect">
+            <a:avLst/>
+          </a:prstGeom>
+          <a:solidFill>
+            <a:srgbClr val="232323"/>
+          </a:solidFill>
+          <a:ln w="12700">
+            <a:miter lim="400000"/>
+          </a:ln>
+          <a:extLst>
+            <a:ext uri="{C572A759-6A51-4108-AA02-DFA0A04FC94B}">
+              <ma14:wrappingTextBoxFlag xmlns:ma14="http://schemas.microsoft.com/office/mac/drawingml/2011/main" val="1"/>
+            </a:ext>
+          </a:extLst>
+        </p:spPr>
+        <p:txBody>
+          <a:bodyPr lIns="50800" tIns="50800" rIns="50800" bIns="50800">
+            <a:normAutofit fontScale="100000" lnSpcReduction="0"/>
+          </a:bodyPr>
+          <a:lstStyle/>
+          <a:p>
+            <a:pPr algn="l" defTabSz="303783">
+              <a:spcBef>
+                <a:spcPts val="2100"/>
+              </a:spcBef>
+              <a:defRPr sz="1975"/>
+            </a:pPr>
+            <a:r>
+              <a:rPr>
+                <a:solidFill>
+                  <a:srgbClr val="CDA05D"/>
+                </a:solidFill>
+              </a:rPr>
+              <a:t>.list-view-controls </a:t>
+            </a:r>
+            <a:r>
+              <a:t>{</a:t>
+            </a:r>
+          </a:p>
+          <a:p>
+            <a:pPr algn="l" defTabSz="303783">
+              <a:spcBef>
+                <a:spcPts val="2100"/>
+              </a:spcBef>
+              <a:defRPr sz="1975"/>
+            </a:pPr>
+            <a:r>
+              <a:t>    …</a:t>
+            </a:r>
+          </a:p>
+          <a:p>
+            <a:pPr algn="l" defTabSz="303783">
+              <a:spcBef>
+                <a:spcPts val="2100"/>
+              </a:spcBef>
+              <a:defRPr sz="1975"/>
+            </a:pPr>
+            <a:r>
+              <a:t>    </a:t>
+            </a:r>
+            <a:r>
+              <a:rPr>
+                <a:solidFill>
+                  <a:srgbClr val="CDA05D"/>
+                </a:solidFill>
+              </a:rPr>
+              <a:t>:hover + .pl-items-wrapper ul</a:t>
+            </a:r>
+            <a:r>
+              <a:t> {</a:t>
+            </a:r>
+          </a:p>
+          <a:p>
+            <a:pPr algn="l" defTabSz="303783">
+              <a:spcBef>
+                <a:spcPts val="2100"/>
+              </a:spcBef>
+              <a:defRPr sz="1975"/>
+            </a:pPr>
+            <a:r>
+              <a:t>      flex-direction: column;</a:t>
+            </a:r>
+          </a:p>
+          <a:p>
+            <a:pPr algn="l" defTabSz="303783">
+              <a:spcBef>
+                <a:spcPts val="2100"/>
+              </a:spcBef>
+              <a:defRPr sz="1975"/>
+            </a:pPr>
+            <a:r>
+              <a:t>      </a:t>
+            </a:r>
+            <a:r>
+              <a:rPr>
+                <a:solidFill>
+                  <a:srgbClr val="CDA05D"/>
+                </a:solidFill>
+              </a:rPr>
+              <a:t>li</a:t>
+            </a:r>
+            <a:r>
+              <a:t> {</a:t>
+            </a:r>
+          </a:p>
+          <a:p>
+            <a:pPr algn="l" defTabSz="303783">
+              <a:spcBef>
+                <a:spcPts val="2100"/>
+              </a:spcBef>
+              <a:defRPr sz="1975"/>
+            </a:pPr>
+            <a:r>
+              <a:t>        border: none;</a:t>
+            </a:r>
+          </a:p>
+          <a:p>
+            <a:pPr algn="l" defTabSz="303783">
+              <a:spcBef>
+                <a:spcPts val="2100"/>
+              </a:spcBef>
+              <a:defRPr sz="1975"/>
+            </a:pPr>
+            <a:r>
+              <a:t>        list-style-type: square;</a:t>
+            </a:r>
+          </a:p>
+          <a:p>
+            <a:pPr algn="l" defTabSz="303783">
+              <a:spcBef>
+                <a:spcPts val="2100"/>
+              </a:spcBef>
+              <a:defRPr sz="1975"/>
+            </a:pPr>
+            <a:r>
+              <a:t>        padding: 0.5em;</a:t>
+            </a:r>
+          </a:p>
+          <a:p>
+            <a:pPr algn="l" defTabSz="303783">
+              <a:spcBef>
+                <a:spcPts val="2100"/>
+              </a:spcBef>
+              <a:defRPr sz="1975"/>
+            </a:pPr>
+            <a:r>
+              <a:t>      }</a:t>
+            </a:r>
+          </a:p>
+          <a:p>
+            <a:pPr algn="l" defTabSz="303783">
+              <a:spcBef>
+                <a:spcPts val="2100"/>
+              </a:spcBef>
+              <a:defRPr sz="1975"/>
+            </a:pPr>
+            <a:r>
+              <a:t>    }</a:t>
+            </a:r>
+          </a:p>
+          <a:p>
+            <a:pPr algn="l" defTabSz="303783">
+              <a:spcBef>
+                <a:spcPts val="2100"/>
+              </a:spcBef>
+              <a:defRPr sz="1975"/>
+            </a:pPr>
+            <a:r>
+              <a:t>}</a:t>
+            </a:r>
+          </a:p>
+        </p:txBody>
+      </p:sp>
+    </p:spTree>
+  </p:cSld>
+  <p:clrMapOvr>
+    <a:masterClrMapping/>
+  </p:clrMapOvr>
+  <p:transition xmlns:p14="http://schemas.microsoft.com/office/powerpoint/2010/main" spd="med" advClick="1"/>
+</p:sld>
+</file>
+
+<file path=ppt/slides/slide35.xml><?xml version="1.0" encoding="utf-8"?>
+<p:sld xmlns:a="http://schemas.openxmlformats.org/drawingml/2006/main" xmlns:r="http://schemas.openxmlformats.org/officeDocument/2006/relationships" xmlns:p="http://schemas.openxmlformats.org/presentationml/2006/main" showMasterSp="1" showMasterPhAnim="1">
+  <p:cSld>
+    <p:spTree>
+      <p:nvGrpSpPr>
+        <p:cNvPr id="1" name=""/>
+        <p:cNvGrpSpPr/>
+        <p:nvPr/>
+      </p:nvGrpSpPr>
+      <p:grpSpPr>
+        <a:xfrm>
+          <a:off x="0" y="0"/>
+          <a:ext cx="0" cy="0"/>
+          <a:chOff x="0" y="0"/>
+          <a:chExt cx="0" cy="0"/>
+        </a:xfrm>
+      </p:grpSpPr>
+      <p:sp>
+        <p:nvSpPr>
+          <p:cNvPr id="231" name="Lab: Set up SASS"/>
+          <p:cNvSpPr txBox="1"/>
+          <p:nvPr>
+            <p:ph type="title"/>
+          </p:nvPr>
+        </p:nvSpPr>
+        <p:spPr>
+          <a:prstGeom prst="rect">
+            <a:avLst/>
+          </a:prstGeom>
+        </p:spPr>
+        <p:txBody>
+          <a:bodyPr/>
+          <a:lstStyle/>
+          <a:p>
+            <a:pPr/>
+            <a:r>
+              <a:t>Lab: Set up SASS</a:t>
+            </a:r>
+          </a:p>
+        </p:txBody>
+      </p:sp>
+      <p:sp>
+        <p:nvSpPr>
+          <p:cNvPr id="232" name="npm i -D grunt grunt-sass…"/>
+          <p:cNvSpPr txBox="1"/>
+          <p:nvPr>
+            <p:ph type="body" idx="1"/>
+          </p:nvPr>
+        </p:nvSpPr>
+        <p:spPr>
+          <a:prstGeom prst="rect">
+            <a:avLst/>
+          </a:prstGeom>
+        </p:spPr>
+        <p:txBody>
+          <a:bodyPr anchor="t"/>
+          <a:lstStyle/>
+          <a:p>
+            <a:pPr/>
+            <a:r>
+              <a:t>npm i -D grunt grunt-sass</a:t>
+            </a:r>
+          </a:p>
+          <a:p>
+            <a:pPr/>
+            <a:r>
+              <a:t>Create gruntfile.js with sass tasks</a:t>
+            </a:r>
+          </a:p>
+          <a:p>
+            <a:pPr/>
+            <a:r>
+              <a:t>Create main.scss with SASS markup</a:t>
+            </a:r>
+          </a:p>
+          <a:p>
+            <a:pPr/>
+            <a:r>
+              <a:t>Run grunt, observe CSS output</a:t>
+            </a:r>
+          </a:p>
+        </p:txBody>
+      </p:sp>
+    </p:spTree>
+  </p:cSld>
+  <p:clrMapOvr>
+    <a:masterClrMapping/>
+  </p:clrMapOvr>
+  <p:transition xmlns:p14="http://schemas.microsoft.com/office/powerpoint/2010/main" spd="med" advClick="1"/>
+</p:sld>
+</file>
+
+<file path=ppt/slides/slide36.xml><?xml version="1.0" encoding="utf-8"?>
+<p:sld xmlns:a="http://schemas.openxmlformats.org/drawingml/2006/main" xmlns:r="http://schemas.openxmlformats.org/officeDocument/2006/relationships" xmlns:p="http://schemas.openxmlformats.org/presentationml/2006/main" showMasterSp="1" showMasterPhAnim="1">
+  <p:cSld>
+    <p:spTree>
+      <p:nvGrpSpPr>
+        <p:cNvPr id="1" name=""/>
+        <p:cNvGrpSpPr/>
+        <p:nvPr/>
+      </p:nvGrpSpPr>
+      <p:grpSpPr>
+        <a:xfrm>
+          <a:off x="0" y="0"/>
+          <a:ext cx="0" cy="0"/>
+          <a:chOff x="0" y="0"/>
+          <a:chExt cx="0" cy="0"/>
+        </a:xfrm>
+      </p:grpSpPr>
+      <p:sp>
+        <p:nvSpPr>
+          <p:cNvPr id="234" name="Lab: SASS build"/>
+          <p:cNvSpPr txBox="1"/>
+          <p:nvPr>
+            <p:ph type="title"/>
+          </p:nvPr>
+        </p:nvSpPr>
+        <p:spPr>
+          <a:prstGeom prst="rect">
+            <a:avLst/>
+          </a:prstGeom>
+        </p:spPr>
+        <p:txBody>
+          <a:bodyPr/>
+          <a:lstStyle/>
+          <a:p>
+            <a:pPr/>
+            <a:r>
+              <a:t>Lab: SASS build</a:t>
+            </a:r>
+          </a:p>
+        </p:txBody>
+      </p:sp>
+      <p:sp>
+        <p:nvSpPr>
+          <p:cNvPr id="235" name="Add a Grunt task to watch SASS files…"/>
+          <p:cNvSpPr txBox="1"/>
+          <p:nvPr>
+            <p:ph type="body" idx="1"/>
+          </p:nvPr>
+        </p:nvSpPr>
+        <p:spPr>
+          <a:prstGeom prst="rect">
+            <a:avLst/>
+          </a:prstGeom>
+        </p:spPr>
+        <p:txBody>
+          <a:bodyPr anchor="t"/>
+          <a:lstStyle/>
+          <a:p>
+            <a:pPr/>
+            <a:r>
+              <a:t>Add a Grunt task to watch SASS files</a:t>
+            </a:r>
+          </a:p>
+          <a:p>
+            <a:pPr/>
+            <a:r>
+              <a:t>npm i -D grunt-contrib-watch</a:t>
+            </a:r>
+          </a:p>
+          <a:p>
+            <a:pPr/>
+            <a:r>
+              <a:t>grunt.loadNpmTasks( 'grunt-contrib-watch' );</a:t>
+            </a:r>
+          </a:p>
+          <a:p>
+            <a:pPr/>
+            <a:r>
+              <a:t>Add watch to grunt.initConfig</a:t>
+            </a:r>
+          </a:p>
+          <a:p>
+            <a:pPr/>
+            <a:r>
+              <a:t>grunt.registerTask('mywatch', ['watch']);</a:t>
+            </a:r>
+          </a:p>
+        </p:txBody>
+      </p:sp>
+    </p:spTree>
+  </p:cSld>
+  <p:clrMapOvr>
+    <a:masterClrMapping/>
+  </p:clrMapOvr>
+  <p:transition xmlns:p14="http://schemas.microsoft.com/office/powerpoint/2010/main" spd="med" advClick="1"/>
+</p:sld>
+</file>
+
 <file path=ppt/slides/slide4.xml><?xml version="1.0" encoding="utf-8"?>
 <p:sld xmlns:a="http://schemas.openxmlformats.org/drawingml/2006/main" xmlns:r="http://schemas.openxmlformats.org/officeDocument/2006/relationships" xmlns:p="http://schemas.openxmlformats.org/presentationml/2006/main" showMasterSp="1" showMasterPhAnim="1">
   <p:cSld>
@@ -5983,7 +7717,7 @@
       </p:grpSpPr>
       <p:sp>
         <p:nvSpPr>
-          <p:cNvPr id="137" name="Webpack"/>
+          <p:cNvPr id="137" name="Grunt"/>
           <p:cNvSpPr txBox="1"/>
           <p:nvPr>
             <p:ph type="title"/>
@@ -6000,14 +7734,14 @@
           <a:p>
             <a:pPr/>
             <a:r>
-              <a:t>Webpack</a:t>
-            </a:r>
-          </a:p>
-        </p:txBody>
-      </p:sp>
-      <p:sp>
-        <p:nvSpPr>
-          <p:cNvPr id="138" name="Webpack is primarily a module bundler…"/>
+              <a:t>Grunt</a:t>
+            </a:r>
+          </a:p>
+        </p:txBody>
+      </p:sp>
+      <p:sp>
+        <p:nvSpPr>
+          <p:cNvPr id="138" name="What is it?…"/>
           <p:cNvSpPr txBox="1"/>
           <p:nvPr>
             <p:ph type="body" idx="1"/>
@@ -6022,87 +7756,27 @@
           <a:bodyPr anchor="t"/>
           <a:lstStyle/>
           <a:p>
-            <a:pPr marL="320842" indent="-320842" defTabSz="496569">
-              <a:spcBef>
-                <a:spcPts val="3500"/>
-              </a:spcBef>
-              <a:buSzPct val="100000"/>
-              <a:defRPr sz="3200"/>
-            </a:pPr>
-            <a:r>
-              <a:t>Webpack is primarily a module bundler</a:t>
-            </a:r>
-          </a:p>
-          <a:p>
-            <a:pPr marL="320842" indent="-320842" defTabSz="496569">
-              <a:spcBef>
-                <a:spcPts val="3500"/>
-              </a:spcBef>
-              <a:buSzPct val="100000"/>
-              <a:defRPr sz="3200"/>
-            </a:pPr>
-            <a:r>
-              <a:t>Takes over where Require's optimization tool left off</a:t>
-            </a:r>
-          </a:p>
-          <a:p>
-            <a:pPr marL="320842" indent="-320842" defTabSz="496569">
-              <a:spcBef>
-                <a:spcPts val="3500"/>
-              </a:spcBef>
-              <a:buSzPct val="100000"/>
-              <a:defRPr sz="3200"/>
-            </a:pPr>
-            <a:r>
-              <a:t>Features</a:t>
-            </a:r>
-          </a:p>
-          <a:p>
-            <a:pPr lvl="1" marL="701842" indent="-320842" defTabSz="496569">
-              <a:spcBef>
-                <a:spcPts val="3500"/>
-              </a:spcBef>
-              <a:buSzPct val="100000"/>
-              <a:defRPr sz="3200"/>
-            </a:pPr>
-            <a:r>
-              <a:t>Entry points</a:t>
-            </a:r>
-          </a:p>
-          <a:p>
-            <a:pPr lvl="1" marL="701842" indent="-320842" defTabSz="496569">
-              <a:spcBef>
-                <a:spcPts val="3500"/>
-              </a:spcBef>
-              <a:buSzPct val="100000"/>
-              <a:defRPr sz="3200"/>
-            </a:pPr>
-            <a:r>
-              <a:t>Output "chunks"</a:t>
-            </a:r>
-          </a:p>
-          <a:p>
-            <a:pPr lvl="1" marL="701842" indent="-320842" defTabSz="496569">
-              <a:spcBef>
-                <a:spcPts val="3500"/>
-              </a:spcBef>
-              <a:buSzPct val="100000"/>
-              <a:defRPr sz="3200"/>
-            </a:pPr>
-            <a:r>
-              <a:t>Hot module reloading</a:t>
-            </a:r>
-          </a:p>
-          <a:p>
-            <a:pPr lvl="1" marL="701842" indent="-320842" defTabSz="496569">
-              <a:spcBef>
-                <a:spcPts val="3500"/>
-              </a:spcBef>
-              <a:buSzPct val="100000"/>
-              <a:defRPr sz="3200"/>
-            </a:pPr>
-            <a:r>
-              <a:t>Asset bundling</a:t>
+            <a:pPr/>
+            <a:r>
+              <a:t>What is it?</a:t>
+            </a:r>
+          </a:p>
+          <a:p>
+            <a:pPr/>
+            <a:r>
+              <a:t>A "task runner"</a:t>
+            </a:r>
+          </a:p>
+          <a:p>
+            <a:pPr/>
+            <a:r>
+              <a:t>Automate tedious or difficult actions</a:t>
+            </a:r>
+          </a:p>
+          <a:p>
+            <a:pPr/>
+            <a:r>
+              <a:t>Primarily by adding a plugin</a:t>
             </a:r>
           </a:p>
         </p:txBody>
@@ -6135,7 +7809,7 @@
       </p:grpSpPr>
       <p:sp>
         <p:nvSpPr>
-          <p:cNvPr id="140" name="Webpack"/>
+          <p:cNvPr id="140" name="Grunt"/>
           <p:cNvSpPr txBox="1"/>
           <p:nvPr>
             <p:ph type="title"/>
@@ -6152,14 +7826,14 @@
           <a:p>
             <a:pPr/>
             <a:r>
-              <a:t>Webpack</a:t>
-            </a:r>
-          </a:p>
-        </p:txBody>
-      </p:sp>
-      <p:sp>
-        <p:nvSpPr>
-          <p:cNvPr id="141" name="Entry points…"/>
+              <a:t>Grunt</a:t>
+            </a:r>
+          </a:p>
+        </p:txBody>
+      </p:sp>
+      <p:sp>
+        <p:nvSpPr>
+          <p:cNvPr id="141" name="How does it work?…"/>
           <p:cNvSpPr txBox="1"/>
           <p:nvPr>
             <p:ph type="body" idx="1"/>
@@ -6174,51 +7848,33 @@
           <a:bodyPr anchor="t"/>
           <a:lstStyle/>
           <a:p>
-            <a:pPr marL="320842" indent="-320842" defTabSz="496569">
-              <a:spcBef>
-                <a:spcPts val="3500"/>
-              </a:spcBef>
-              <a:buSzPct val="100000"/>
-              <a:defRPr sz="3200"/>
-            </a:pPr>
-            <a:r>
-              <a:t>Entry points</a:t>
-            </a:r>
-          </a:p>
-          <a:p>
-            <a:pPr lvl="1" marL="701842" indent="-320842" defTabSz="496569">
-              <a:spcBef>
-                <a:spcPts val="3500"/>
-              </a:spcBef>
-              <a:buSzPct val="100000"/>
-              <a:defRPr sz="3200"/>
-            </a:pPr>
-            <a:r>
-              <a:t>Given an entry point, Webpack finds all dependencies</a:t>
-            </a:r>
-          </a:p>
-          <a:p>
-            <a:pPr lvl="1" marL="701842" indent="-320842" defTabSz="496569">
-              <a:spcBef>
-                <a:spcPts val="3500"/>
-              </a:spcBef>
-              <a:buSzPct val="100000"/>
-              <a:defRPr sz="3200"/>
-            </a:pPr>
-            <a:r>
-              <a:t>One or more entry points</a:t>
-            </a:r>
-          </a:p>
-          <a:p>
-            <a:pPr lvl="1" marL="701842" indent="-320842" defTabSz="496569">
-              <a:spcBef>
-                <a:spcPts val="3500"/>
-              </a:spcBef>
-              <a:buSzPct val="100000"/>
-              <a:defRPr sz="3200"/>
-            </a:pPr>
-            <a:r>
-              <a:t>Once configured, new deps auto-detected</a:t>
+            <a:pPr/>
+            <a:r>
+              <a:t>How does it work?</a:t>
+            </a:r>
+          </a:p>
+          <a:p>
+            <a:pPr/>
+            <a:r>
+              <a:t>Grunt is an NPM module, based on Node</a:t>
+            </a:r>
+          </a:p>
+          <a:p>
+            <a:pPr/>
+            <a:r>
+              <a:t>Install Grunt locally, and any desired plugins</a:t>
+            </a:r>
+          </a:p>
+          <a:p>
+            <a:pPr/>
+            <a:r>
+              <a:t>You'll probably also want global "grunt-cli"</a:t>
+            </a:r>
+          </a:p>
+          <a:p>
+            <a:pPr/>
+            <a:r>
+              <a:t>Create gruntfile.js</a:t>
             </a:r>
           </a:p>
         </p:txBody>
@@ -6251,7 +7907,7 @@
       </p:grpSpPr>
       <p:sp>
         <p:nvSpPr>
-          <p:cNvPr id="143" name="Webpack"/>
+          <p:cNvPr id="143" name="Grunt"/>
           <p:cNvSpPr txBox="1"/>
           <p:nvPr>
             <p:ph type="title"/>
@@ -6268,14 +7924,14 @@
           <a:p>
             <a:pPr/>
             <a:r>
-              <a:t>Webpack</a:t>
-            </a:r>
-          </a:p>
-        </p:txBody>
-      </p:sp>
-      <p:sp>
-        <p:nvSpPr>
-          <p:cNvPr id="144" name="Output chunks…"/>
+              <a:t>Grunt</a:t>
+            </a:r>
+          </a:p>
+        </p:txBody>
+      </p:sp>
+      <p:sp>
+        <p:nvSpPr>
+          <p:cNvPr id="144" name="gruntfile.js API…"/>
           <p:cNvSpPr txBox="1"/>
           <p:nvPr>
             <p:ph type="body" idx="1"/>
@@ -6290,51 +7946,27 @@
           <a:bodyPr anchor="t"/>
           <a:lstStyle/>
           <a:p>
-            <a:pPr marL="320842" indent="-320842" defTabSz="496569">
-              <a:spcBef>
-                <a:spcPts val="3500"/>
-              </a:spcBef>
-              <a:buSzPct val="100000"/>
-              <a:defRPr sz="3200"/>
-            </a:pPr>
-            <a:r>
-              <a:t>Output chunks</a:t>
-            </a:r>
-          </a:p>
-          <a:p>
-            <a:pPr lvl="1" marL="701842" indent="-320842" defTabSz="496569">
-              <a:spcBef>
-                <a:spcPts val="3500"/>
-              </a:spcBef>
-              <a:buSzPct val="100000"/>
-              <a:defRPr sz="3200"/>
-            </a:pPr>
-            <a:r>
-              <a:t>Mark points where bundles should be split</a:t>
-            </a:r>
-          </a:p>
-          <a:p>
-            <a:pPr lvl="1" marL="701842" indent="-320842" defTabSz="496569">
-              <a:spcBef>
-                <a:spcPts val="3500"/>
-              </a:spcBef>
-              <a:buSzPct val="100000"/>
-              <a:defRPr sz="3200"/>
-            </a:pPr>
-            <a:r>
-              <a:t>Makes "lazy loading" convenient</a:t>
-            </a:r>
-          </a:p>
-          <a:p>
-            <a:pPr lvl="1" marL="701842" indent="-320842" defTabSz="496569">
-              <a:spcBef>
-                <a:spcPts val="3500"/>
-              </a:spcBef>
-              <a:buSzPct val="100000"/>
-              <a:defRPr sz="3200"/>
-            </a:pPr>
-            <a:r>
-              <a:t>Client d/ls chunks as needed</a:t>
+            <a:pPr/>
+            <a:r>
+              <a:t>gruntfile.js API</a:t>
+            </a:r>
+          </a:p>
+          <a:p>
+            <a:pPr lvl="1"/>
+            <a:r>
+              <a:t>loadNpmTasks</a:t>
+            </a:r>
+          </a:p>
+          <a:p>
+            <a:pPr lvl="1"/>
+            <a:r>
+              <a:t>initConfig</a:t>
+            </a:r>
+          </a:p>
+          <a:p>
+            <a:pPr lvl="1"/>
+            <a:r>
+              <a:t>registerTask</a:t>
             </a:r>
           </a:p>
         </p:txBody>
@@ -6367,7 +7999,7 @@
       </p:grpSpPr>
       <p:sp>
         <p:nvSpPr>
-          <p:cNvPr id="146" name="Webpack"/>
+          <p:cNvPr id="146" name="Lab: Grunt"/>
           <p:cNvSpPr txBox="1"/>
           <p:nvPr>
             <p:ph type="title"/>
@@ -6384,14 +8016,14 @@
           <a:p>
             <a:pPr/>
             <a:r>
-              <a:t>Webpack</a:t>
-            </a:r>
-          </a:p>
-        </p:txBody>
-      </p:sp>
-      <p:sp>
-        <p:nvSpPr>
-          <p:cNvPr id="147" name="Hot module reloading…"/>
+              <a:t>Lab: Grunt</a:t>
+            </a:r>
+          </a:p>
+        </p:txBody>
+      </p:sp>
+      <p:sp>
+        <p:nvSpPr>
+          <p:cNvPr id="147" name="Change directory to 01-grunt &amp; 'npm i'…"/>
           <p:cNvSpPr txBox="1"/>
           <p:nvPr>
             <p:ph type="body" idx="1"/>
@@ -6406,63 +8038,27 @@
           <a:bodyPr anchor="t"/>
           <a:lstStyle/>
           <a:p>
-            <a:pPr marL="320842" indent="-320842" defTabSz="496569">
-              <a:spcBef>
-                <a:spcPts val="3500"/>
-              </a:spcBef>
-              <a:buSzPct val="100000"/>
-              <a:defRPr sz="3200"/>
-            </a:pPr>
-            <a:r>
-              <a:t>Hot module reloading</a:t>
-            </a:r>
-          </a:p>
-          <a:p>
-            <a:pPr lvl="1" marL="701842" indent="-320842" defTabSz="496569">
-              <a:spcBef>
-                <a:spcPts val="3500"/>
-              </a:spcBef>
-              <a:buSzPct val="100000"/>
-              <a:defRPr sz="3200"/>
-            </a:pPr>
-            <a:r>
-              <a:t>Run the Webpack Dev Server</a:t>
-            </a:r>
-          </a:p>
-          <a:p>
-            <a:pPr lvl="1" marL="701842" indent="-320842" defTabSz="496569">
-              <a:spcBef>
-                <a:spcPts val="3500"/>
-              </a:spcBef>
-              <a:buSzPct val="100000"/>
-              <a:defRPr sz="3200"/>
-            </a:pPr>
-            <a:r>
-              <a:t>WP watches source files</a:t>
-            </a:r>
-          </a:p>
-          <a:p>
-            <a:pPr lvl="1" marL="701842" indent="-320842" defTabSz="496569">
-              <a:spcBef>
-                <a:spcPts val="3500"/>
-              </a:spcBef>
-              <a:buSzPct val="100000"/>
-              <a:defRPr sz="3200"/>
-            </a:pPr>
-            <a:r>
-              <a:t>Dev Server can reload one file instead of entire page</a:t>
-            </a:r>
-          </a:p>
-          <a:p>
-            <a:pPr lvl="1" marL="701842" indent="-320842" defTabSz="496569">
-              <a:spcBef>
-                <a:spcPts val="3500"/>
-              </a:spcBef>
-              <a:buSzPct val="100000"/>
-              <a:defRPr sz="3200"/>
-            </a:pPr>
-            <a:r>
-              <a:t>Most helpful for big / slow-loading apps</a:t>
+            <a:pPr/>
+            <a:r>
+              <a:t>Change directory to 01-grunt &amp; 'npm i'</a:t>
+            </a:r>
+          </a:p>
+          <a:p>
+            <a:pPr/>
+            <a:r>
+              <a:t>Run "node node_modules/grunt/bin/grunt"</a:t>
+            </a:r>
+          </a:p>
+          <a:p>
+            <a:pPr/>
+            <a:r>
+              <a:t>Watcher task starts watching</a:t>
+            </a:r>
+          </a:p>
+          <a:p>
+            <a:pPr/>
+            <a:r>
+              <a:t>Modify a file in ./src directory, watcher re-runs</a:t>
             </a:r>
           </a:p>
         </p:txBody>
@@ -6519,7 +8115,7 @@
       </p:sp>
       <p:sp>
         <p:nvSpPr>
-          <p:cNvPr id="150" name="Asset bundling…"/>
+          <p:cNvPr id="150" name="Webpack is primarily a module bundler…"/>
           <p:cNvSpPr txBox="1"/>
           <p:nvPr>
             <p:ph type="body" idx="1"/>
@@ -6542,67 +8138,79 @@
               <a:defRPr sz="3200"/>
             </a:pPr>
             <a:r>
+              <a:t>Webpack is primarily a module bundler</a:t>
+            </a:r>
+          </a:p>
+          <a:p>
+            <a:pPr marL="320842" indent="-320842" defTabSz="496569">
+              <a:spcBef>
+                <a:spcPts val="3500"/>
+              </a:spcBef>
+              <a:buSzPct val="100000"/>
+              <a:defRPr sz="3200"/>
+            </a:pPr>
+            <a:r>
+              <a:t>Takes over where Require's optimization tool left off</a:t>
+            </a:r>
+          </a:p>
+          <a:p>
+            <a:pPr marL="320842" indent="-320842" defTabSz="496569">
+              <a:spcBef>
+                <a:spcPts val="3500"/>
+              </a:spcBef>
+              <a:buSzPct val="100000"/>
+              <a:defRPr sz="3200"/>
+            </a:pPr>
+            <a:r>
+              <a:t>Features</a:t>
+            </a:r>
+          </a:p>
+          <a:p>
+            <a:pPr lvl="1" marL="701842" indent="-320842" defTabSz="496569">
+              <a:spcBef>
+                <a:spcPts val="3500"/>
+              </a:spcBef>
+              <a:buSzPct val="100000"/>
+              <a:defRPr sz="3200"/>
+            </a:pPr>
+            <a:r>
+              <a:t>Entry points</a:t>
+            </a:r>
+          </a:p>
+          <a:p>
+            <a:pPr lvl="1" marL="701842" indent="-320842" defTabSz="496569">
+              <a:spcBef>
+                <a:spcPts val="3500"/>
+              </a:spcBef>
+              <a:buSzPct val="100000"/>
+              <a:defRPr sz="3200"/>
+            </a:pPr>
+            <a:r>
+              <a:t>Output "chunks"</a:t>
+            </a:r>
+          </a:p>
+          <a:p>
+            <a:pPr lvl="1" marL="701842" indent="-320842" defTabSz="496569">
+              <a:spcBef>
+                <a:spcPts val="3500"/>
+              </a:spcBef>
+              <a:buSzPct val="100000"/>
+              <a:defRPr sz="3200"/>
+            </a:pPr>
+            <a:r>
+              <a:t>Hot module reloading</a:t>
+            </a:r>
+          </a:p>
+          <a:p>
+            <a:pPr lvl="1" marL="701842" indent="-320842" defTabSz="496569">
+              <a:spcBef>
+                <a:spcPts val="3500"/>
+              </a:spcBef>
+              <a:buSzPct val="100000"/>
+              <a:defRPr sz="3200"/>
+            </a:pPr>
+            <a:r>
               <a:t>Asset bundling</a:t>
-            </a:r>
-          </a:p>
-          <a:p>
-            <a:pPr lvl="1" marL="701842" indent="-320842" defTabSz="496569">
-              <a:spcBef>
-                <a:spcPts val="3500"/>
-              </a:spcBef>
-              <a:buSzPct val="100000"/>
-              <a:defRPr sz="3200"/>
-            </a:pPr>
-            <a:r>
-              <a:t>WP supports "loader" plugins</a:t>
-            </a:r>
-          </a:p>
-          <a:p>
-            <a:pPr lvl="1" marL="701842" indent="-320842" defTabSz="496569">
-              <a:spcBef>
-                <a:spcPts val="3500"/>
-              </a:spcBef>
-              <a:buSzPct val="100000"/>
-              <a:defRPr sz="3200"/>
-            </a:pPr>
-            <a:r>
-              <a:t>Bundle many non-JS file types</a:t>
-            </a:r>
-          </a:p>
-          <a:p>
-            <a:pPr lvl="2" marL="1082842" indent="-320842" defTabSz="496569">
-              <a:spcBef>
-                <a:spcPts val="3500"/>
-              </a:spcBef>
-              <a:buSzPct val="100000"/>
-              <a:defRPr sz="3200"/>
-            </a:pPr>
-            <a:r>
-              <a:t>CSS</a:t>
-            </a:r>
-          </a:p>
-          <a:p>
-            <a:pPr lvl="2" marL="1082842" indent="-320842" defTabSz="496569">
-              <a:spcBef>
-                <a:spcPts val="3500"/>
-              </a:spcBef>
-              <a:buSzPct val="100000"/>
-              <a:defRPr sz="3200"/>
-            </a:pPr>
-            <a:r>
-              <a:t>Images</a:t>
-            </a:r>
-          </a:p>
-          <a:p>
-            <a:pPr lvl="2" marL="1082842" indent="-320842" defTabSz="496569">
-              <a:spcBef>
-                <a:spcPts val="3500"/>
-              </a:spcBef>
-              <a:buSzPct val="100000"/>
-              <a:defRPr sz="3200"/>
-            </a:pPr>
-            <a:r>
-              <a:t>CommonJS / AMD / ES6</a:t>
             </a:r>
           </a:p>
         </p:txBody>
@@ -6635,7 +8243,7 @@
       </p:grpSpPr>
       <p:sp>
         <p:nvSpPr>
-          <p:cNvPr id="152" name="Lab: Webpack"/>
+          <p:cNvPr id="152" name="Webpack"/>
           <p:cNvSpPr txBox="1"/>
           <p:nvPr>
             <p:ph type="title"/>
@@ -6652,14 +8260,14 @@
           <a:p>
             <a:pPr/>
             <a:r>
-              <a:t>Lab: Webpack</a:t>
-            </a:r>
-          </a:p>
-        </p:txBody>
-      </p:sp>
-      <p:sp>
-        <p:nvSpPr>
-          <p:cNvPr id="153" name="'npm i -D webpack'…"/>
+              <a:t>Webpack</a:t>
+            </a:r>
+          </a:p>
+        </p:txBody>
+      </p:sp>
+      <p:sp>
+        <p:nvSpPr>
+          <p:cNvPr id="153" name="Entry points…"/>
           <p:cNvSpPr txBox="1"/>
           <p:nvPr>
             <p:ph type="body" idx="1"/>
@@ -6682,11 +8290,11 @@
               <a:defRPr sz="3200"/>
             </a:pPr>
             <a:r>
-              <a:t>'npm i -D webpack'</a:t>
-            </a:r>
-          </a:p>
-          <a:p>
-            <a:pPr marL="320842" indent="-320842" defTabSz="496569">
+              <a:t>Entry points</a:t>
+            </a:r>
+          </a:p>
+          <a:p>
+            <a:pPr lvl="1" marL="701842" indent="-320842" defTabSz="496569">
               <a:spcBef>
                 <a:spcPts val="3500"/>
               </a:spcBef>
@@ -6694,11 +8302,11 @@
               <a:defRPr sz="3200"/>
             </a:pPr>
             <a:r>
-              <a:t>Cmd: 'node node_modules/webpack/bin/webpack.js'</a:t>
-            </a:r>
-          </a:p>
-          <a:p>
-            <a:pPr marL="320842" indent="-320842" defTabSz="496569">
+              <a:t>Given an entry point, Webpack finds all dependencies</a:t>
+            </a:r>
+          </a:p>
+          <a:p>
+            <a:pPr lvl="1" marL="701842" indent="-320842" defTabSz="496569">
               <a:spcBef>
                 <a:spcPts val="3500"/>
               </a:spcBef>
@@ -6706,7 +8314,7 @@
               <a:defRPr sz="3200"/>
             </a:pPr>
             <a:r>
-              <a:t>Either create webpack.config.js or pass options:</a:t>
+              <a:t>One or more entry points</a:t>
             </a:r>
           </a:p>
           <a:p>
@@ -6718,31 +8326,7 @@
               <a:defRPr sz="3200"/>
             </a:pPr>
             <a:r>
-              <a:t>entry point</a:t>
-            </a:r>
-          </a:p>
-          <a:p>
-            <a:pPr lvl="1" marL="701842" indent="-320842" defTabSz="496569">
-              <a:spcBef>
-                <a:spcPts val="3500"/>
-              </a:spcBef>
-              <a:buSzPct val="100000"/>
-              <a:defRPr sz="3200"/>
-            </a:pPr>
-            <a:r>
-              <a:t>output location</a:t>
-            </a:r>
-          </a:p>
-          <a:p>
-            <a:pPr marL="320842" indent="-320842" defTabSz="496569">
-              <a:spcBef>
-                <a:spcPts val="3500"/>
-              </a:spcBef>
-              <a:buSzPct val="100000"/>
-              <a:defRPr sz="3200"/>
-            </a:pPr>
-            <a:r>
-              <a:t>Change module dependency format to ES6 'import' </a:t>
+              <a:t>Once configured, new deps auto-detected</a:t>
             </a:r>
           </a:p>
         </p:txBody>
